--- a/make_presentation/templates/templates/classic/_30.pptx
+++ b/make_presentation/templates/templates/classic/_30.pptx
@@ -321,7 +321,7 @@
             <a:pPr algn="r">
               <a:buNone/>
             </a:pPr>
-            <a:fld id="{33928752-2D90-4470-B9E0-FA5BB28BBC96}" type="slidenum">
+            <a:fld id="{306539CD-953A-4A20-8517-79391FA8C292}" type="slidenum">
               <a:rPr b="0" lang="en-US" sz="1400" spc="-1" strike="noStrike">
                 <a:latin typeface="Times New Roman"/>
               </a:rPr>
@@ -369,7 +369,7 @@
         <p:spPr>
           <a:xfrm>
             <a:off x="380880" y="685800"/>
-            <a:ext cx="6091560" cy="3424680"/>
+            <a:ext cx="6091200" cy="3424320"/>
           </a:xfrm>
           <a:prstGeom prst="rect">
             <a:avLst/>
@@ -392,7 +392,7 @@
         <p:spPr>
           <a:xfrm>
             <a:off x="685800" y="4343400"/>
-            <a:ext cx="5482080" cy="4110480"/>
+            <a:ext cx="5481720" cy="4110120"/>
           </a:xfrm>
           <a:prstGeom prst="rect">
             <a:avLst/>
@@ -426,7 +426,7 @@
         <p:spPr>
           <a:xfrm>
             <a:off x="3884760" y="8685360"/>
-            <a:ext cx="2967480" cy="452880"/>
+            <a:ext cx="2967120" cy="452520"/>
           </a:xfrm>
           <a:prstGeom prst="rect">
             <a:avLst/>
@@ -462,7 +462,7 @@
               </a:lnSpc>
               <a:buNone/>
             </a:pPr>
-            <a:fld id="{69E34B29-6CEA-424E-8DA0-E98BEA689DDA}" type="slidenum">
+            <a:fld id="{77799011-A243-42B6-A6E5-ACF7E94DFE16}" type="slidenum">
               <a:rPr b="0" lang="en-US" sz="1200" spc="-1" strike="noStrike">
                 <a:solidFill>
                   <a:srgbClr val="000000"/>
@@ -513,7 +513,7 @@
         <p:spPr>
           <a:xfrm>
             <a:off x="380880" y="685800"/>
-            <a:ext cx="6091560" cy="3424680"/>
+            <a:ext cx="6091200" cy="3424320"/>
           </a:xfrm>
           <a:prstGeom prst="rect">
             <a:avLst/>
@@ -536,7 +536,7 @@
         <p:spPr>
           <a:xfrm>
             <a:off x="685800" y="4343400"/>
-            <a:ext cx="5482080" cy="4110480"/>
+            <a:ext cx="5481720" cy="4110120"/>
           </a:xfrm>
           <a:prstGeom prst="rect">
             <a:avLst/>
@@ -570,7 +570,7 @@
         <p:spPr>
           <a:xfrm>
             <a:off x="3884760" y="8685360"/>
-            <a:ext cx="2967480" cy="452880"/>
+            <a:ext cx="2967120" cy="452520"/>
           </a:xfrm>
           <a:prstGeom prst="rect">
             <a:avLst/>
@@ -606,7 +606,7 @@
               </a:lnSpc>
               <a:buNone/>
             </a:pPr>
-            <a:fld id="{6126239D-9C88-4243-9F79-71009B319090}" type="slidenum">
+            <a:fld id="{781DED19-0513-4B66-BE1B-1AD1C2D619E1}" type="slidenum">
               <a:rPr b="0" lang="en-US" sz="1200" spc="-1" strike="noStrike">
                 <a:solidFill>
                   <a:srgbClr val="000000"/>
@@ -657,7 +657,7 @@
         <p:spPr>
           <a:xfrm>
             <a:off x="380880" y="685800"/>
-            <a:ext cx="6091560" cy="3424680"/>
+            <a:ext cx="6091200" cy="3424320"/>
           </a:xfrm>
           <a:prstGeom prst="rect">
             <a:avLst/>
@@ -680,7 +680,7 @@
         <p:spPr>
           <a:xfrm>
             <a:off x="685800" y="4343400"/>
-            <a:ext cx="5482080" cy="4110480"/>
+            <a:ext cx="5481720" cy="4110120"/>
           </a:xfrm>
           <a:prstGeom prst="rect">
             <a:avLst/>
@@ -714,7 +714,7 @@
         <p:spPr>
           <a:xfrm>
             <a:off x="3884760" y="8685360"/>
-            <a:ext cx="2967480" cy="452880"/>
+            <a:ext cx="2967120" cy="452520"/>
           </a:xfrm>
           <a:prstGeom prst="rect">
             <a:avLst/>
@@ -750,7 +750,7 @@
               </a:lnSpc>
               <a:buNone/>
             </a:pPr>
-            <a:fld id="{98AA206E-C13C-4C65-AE0E-F37BCA0CB0DE}" type="slidenum">
+            <a:fld id="{E306A58B-8E0C-4918-83DF-90CE8411F135}" type="slidenum">
               <a:rPr b="0" lang="en-US" sz="1200" spc="-1" strike="noStrike">
                 <a:solidFill>
                   <a:srgbClr val="000000"/>
@@ -801,7 +801,7 @@
         <p:spPr>
           <a:xfrm>
             <a:off x="380880" y="685800"/>
-            <a:ext cx="6091560" cy="3424680"/>
+            <a:ext cx="6091200" cy="3424320"/>
           </a:xfrm>
           <a:prstGeom prst="rect">
             <a:avLst/>
@@ -824,7 +824,7 @@
         <p:spPr>
           <a:xfrm>
             <a:off x="685800" y="4343400"/>
-            <a:ext cx="5482080" cy="4110480"/>
+            <a:ext cx="5481720" cy="4110120"/>
           </a:xfrm>
           <a:prstGeom prst="rect">
             <a:avLst/>
@@ -858,7 +858,7 @@
         <p:spPr>
           <a:xfrm>
             <a:off x="3884760" y="8685360"/>
-            <a:ext cx="2967480" cy="452880"/>
+            <a:ext cx="2967120" cy="452520"/>
           </a:xfrm>
           <a:prstGeom prst="rect">
             <a:avLst/>
@@ -894,7 +894,7 @@
               </a:lnSpc>
               <a:buNone/>
             </a:pPr>
-            <a:fld id="{5507C3E5-9911-4675-80DD-BC932DA48956}" type="slidenum">
+            <a:fld id="{CCC5C95B-FBCC-4430-88EA-CB9686212AC8}" type="slidenum">
               <a:rPr b="0" lang="en-US" sz="1200" spc="-1" strike="noStrike">
                 <a:solidFill>
                   <a:srgbClr val="000000"/>
@@ -945,7 +945,7 @@
         <p:spPr>
           <a:xfrm>
             <a:off x="380880" y="685800"/>
-            <a:ext cx="6091560" cy="3424680"/>
+            <a:ext cx="6091200" cy="3424320"/>
           </a:xfrm>
           <a:prstGeom prst="rect">
             <a:avLst/>
@@ -968,7 +968,7 @@
         <p:spPr>
           <a:xfrm>
             <a:off x="685800" y="4343400"/>
-            <a:ext cx="5482080" cy="4110480"/>
+            <a:ext cx="5481720" cy="4110120"/>
           </a:xfrm>
           <a:prstGeom prst="rect">
             <a:avLst/>
@@ -1002,7 +1002,7 @@
         <p:spPr>
           <a:xfrm>
             <a:off x="3884760" y="8685360"/>
-            <a:ext cx="2967480" cy="452880"/>
+            <a:ext cx="2967120" cy="452520"/>
           </a:xfrm>
           <a:prstGeom prst="rect">
             <a:avLst/>
@@ -1038,7 +1038,7 @@
               </a:lnSpc>
               <a:buNone/>
             </a:pPr>
-            <a:fld id="{8EC9EE3B-014D-4513-B28D-044CF6377443}" type="slidenum">
+            <a:fld id="{BBE651A1-C959-44BB-9BBD-D858EF050070}" type="slidenum">
               <a:rPr b="0" lang="en-US" sz="1200" spc="-1" strike="noStrike">
                 <a:solidFill>
                   <a:srgbClr val="000000"/>
@@ -1089,7 +1089,7 @@
         <p:spPr>
           <a:xfrm>
             <a:off x="380880" y="685800"/>
-            <a:ext cx="6091560" cy="3424680"/>
+            <a:ext cx="6091200" cy="3424320"/>
           </a:xfrm>
           <a:prstGeom prst="rect">
             <a:avLst/>
@@ -1112,7 +1112,7 @@
         <p:spPr>
           <a:xfrm>
             <a:off x="685800" y="4343400"/>
-            <a:ext cx="5482080" cy="4110480"/>
+            <a:ext cx="5481720" cy="4110120"/>
           </a:xfrm>
           <a:prstGeom prst="rect">
             <a:avLst/>
@@ -1146,7 +1146,7 @@
         <p:spPr>
           <a:xfrm>
             <a:off x="3884760" y="8685360"/>
-            <a:ext cx="2967480" cy="452880"/>
+            <a:ext cx="2967120" cy="452520"/>
           </a:xfrm>
           <a:prstGeom prst="rect">
             <a:avLst/>
@@ -1182,7 +1182,7 @@
               </a:lnSpc>
               <a:buNone/>
             </a:pPr>
-            <a:fld id="{FE4959FE-62F9-4F5E-B6D7-AA0134930A7E}" type="slidenum">
+            <a:fld id="{FFA973B5-924C-42C3-A7F3-A2AC9871ADBA}" type="slidenum">
               <a:rPr b="0" lang="en-US" sz="1200" spc="-1" strike="noStrike">
                 <a:solidFill>
                   <a:srgbClr val="000000"/>
@@ -1233,7 +1233,7 @@
         <p:spPr>
           <a:xfrm>
             <a:off x="380880" y="685800"/>
-            <a:ext cx="6091560" cy="3424680"/>
+            <a:ext cx="6091200" cy="3424320"/>
           </a:xfrm>
           <a:prstGeom prst="rect">
             <a:avLst/>
@@ -1256,7 +1256,7 @@
         <p:spPr>
           <a:xfrm>
             <a:off x="685800" y="4343400"/>
-            <a:ext cx="5482080" cy="4110480"/>
+            <a:ext cx="5481720" cy="4110120"/>
           </a:xfrm>
           <a:prstGeom prst="rect">
             <a:avLst/>
@@ -1290,7 +1290,7 @@
         <p:spPr>
           <a:xfrm>
             <a:off x="3884760" y="8685360"/>
-            <a:ext cx="2967480" cy="452880"/>
+            <a:ext cx="2967120" cy="452520"/>
           </a:xfrm>
           <a:prstGeom prst="rect">
             <a:avLst/>
@@ -1326,7 +1326,7 @@
               </a:lnSpc>
               <a:buNone/>
             </a:pPr>
-            <a:fld id="{4C5B699A-C3AF-4F16-BFE7-21DDD44C0E43}" type="slidenum">
+            <a:fld id="{69AEC398-F868-42BD-AC7D-D4473CCDC349}" type="slidenum">
               <a:rPr b="0" lang="en-US" sz="1200" spc="-1" strike="noStrike">
                 <a:solidFill>
                   <a:srgbClr val="000000"/>
@@ -1377,7 +1377,7 @@
         <p:spPr>
           <a:xfrm>
             <a:off x="380880" y="685800"/>
-            <a:ext cx="6091560" cy="3424680"/>
+            <a:ext cx="6091200" cy="3424320"/>
           </a:xfrm>
           <a:prstGeom prst="rect">
             <a:avLst/>
@@ -1400,7 +1400,7 @@
         <p:spPr>
           <a:xfrm>
             <a:off x="685800" y="4343400"/>
-            <a:ext cx="5482080" cy="4110480"/>
+            <a:ext cx="5481720" cy="4110120"/>
           </a:xfrm>
           <a:prstGeom prst="rect">
             <a:avLst/>
@@ -1434,7 +1434,7 @@
         <p:spPr>
           <a:xfrm>
             <a:off x="3884760" y="8685360"/>
-            <a:ext cx="2967480" cy="452880"/>
+            <a:ext cx="2967120" cy="452520"/>
           </a:xfrm>
           <a:prstGeom prst="rect">
             <a:avLst/>
@@ -1470,7 +1470,7 @@
               </a:lnSpc>
               <a:buNone/>
             </a:pPr>
-            <a:fld id="{219FD4F5-6712-4FB9-8F27-C0096E702DAA}" type="slidenum">
+            <a:fld id="{DDF1ED03-61C4-4404-8C87-40BBB56C3FBA}" type="slidenum">
               <a:rPr b="0" lang="en-US" sz="1200" spc="-1" strike="noStrike">
                 <a:solidFill>
                   <a:srgbClr val="000000"/>
@@ -1521,7 +1521,7 @@
         <p:spPr>
           <a:xfrm>
             <a:off x="380880" y="685800"/>
-            <a:ext cx="6091560" cy="3424680"/>
+            <a:ext cx="6091200" cy="3424320"/>
           </a:xfrm>
           <a:prstGeom prst="rect">
             <a:avLst/>
@@ -1544,7 +1544,7 @@
         <p:spPr>
           <a:xfrm>
             <a:off x="685800" y="4343400"/>
-            <a:ext cx="5482080" cy="4110480"/>
+            <a:ext cx="5481720" cy="4110120"/>
           </a:xfrm>
           <a:prstGeom prst="rect">
             <a:avLst/>
@@ -1578,7 +1578,7 @@
         <p:spPr>
           <a:xfrm>
             <a:off x="3884760" y="8685360"/>
-            <a:ext cx="2967480" cy="452880"/>
+            <a:ext cx="2967120" cy="452520"/>
           </a:xfrm>
           <a:prstGeom prst="rect">
             <a:avLst/>
@@ -1614,7 +1614,7 @@
               </a:lnSpc>
               <a:buNone/>
             </a:pPr>
-            <a:fld id="{D7AC048E-9022-43E2-8B36-8E785AAE86F5}" type="slidenum">
+            <a:fld id="{5321E129-E6D5-49C4-B45D-AD8F98CEF53F}" type="slidenum">
               <a:rPr b="0" lang="en-US" sz="1200" spc="-1" strike="noStrike">
                 <a:solidFill>
                   <a:srgbClr val="000000"/>
@@ -1665,7 +1665,7 @@
         <p:spPr>
           <a:xfrm>
             <a:off x="380880" y="685800"/>
-            <a:ext cx="6091560" cy="3424680"/>
+            <a:ext cx="6091200" cy="3424320"/>
           </a:xfrm>
           <a:prstGeom prst="rect">
             <a:avLst/>
@@ -1688,7 +1688,7 @@
         <p:spPr>
           <a:xfrm>
             <a:off x="685800" y="4343400"/>
-            <a:ext cx="5482080" cy="4110480"/>
+            <a:ext cx="5481720" cy="4110120"/>
           </a:xfrm>
           <a:prstGeom prst="rect">
             <a:avLst/>
@@ -1722,7 +1722,7 @@
         <p:spPr>
           <a:xfrm>
             <a:off x="3884760" y="8685360"/>
-            <a:ext cx="2967480" cy="452880"/>
+            <a:ext cx="2967120" cy="452520"/>
           </a:xfrm>
           <a:prstGeom prst="rect">
             <a:avLst/>
@@ -1758,7 +1758,7 @@
               </a:lnSpc>
               <a:buNone/>
             </a:pPr>
-            <a:fld id="{887F7264-1DAA-45FE-B83B-A9F541E3E2AB}" type="slidenum">
+            <a:fld id="{B7174F71-96EE-4437-A228-82C09171F661}" type="slidenum">
               <a:rPr b="0" lang="en-US" sz="1200" spc="-1" strike="noStrike">
                 <a:solidFill>
                   <a:srgbClr val="000000"/>
@@ -1809,7 +1809,7 @@
         <p:spPr>
           <a:xfrm>
             <a:off x="380880" y="685800"/>
-            <a:ext cx="6091560" cy="3424680"/>
+            <a:ext cx="6091200" cy="3424320"/>
           </a:xfrm>
           <a:prstGeom prst="rect">
             <a:avLst/>
@@ -1832,7 +1832,7 @@
         <p:spPr>
           <a:xfrm>
             <a:off x="685800" y="4343400"/>
-            <a:ext cx="5482080" cy="4110480"/>
+            <a:ext cx="5481720" cy="4110120"/>
           </a:xfrm>
           <a:prstGeom prst="rect">
             <a:avLst/>
@@ -1866,7 +1866,7 @@
         <p:spPr>
           <a:xfrm>
             <a:off x="3884760" y="8685360"/>
-            <a:ext cx="2967480" cy="452880"/>
+            <a:ext cx="2967120" cy="452520"/>
           </a:xfrm>
           <a:prstGeom prst="rect">
             <a:avLst/>
@@ -1902,7 +1902,7 @@
               </a:lnSpc>
               <a:buNone/>
             </a:pPr>
-            <a:fld id="{8913F22D-16B4-4272-8013-7B183871D962}" type="slidenum">
+            <a:fld id="{9FD9F556-A987-44A8-A6D4-AFF628F95CD8}" type="slidenum">
               <a:rPr b="0" lang="en-US" sz="1200" spc="-1" strike="noStrike">
                 <a:solidFill>
                   <a:srgbClr val="000000"/>
@@ -1953,7 +1953,7 @@
         <p:spPr>
           <a:xfrm>
             <a:off x="380880" y="685800"/>
-            <a:ext cx="6091560" cy="3424680"/>
+            <a:ext cx="6091200" cy="3424320"/>
           </a:xfrm>
           <a:prstGeom prst="rect">
             <a:avLst/>
@@ -1976,7 +1976,7 @@
         <p:spPr>
           <a:xfrm>
             <a:off x="685800" y="4343400"/>
-            <a:ext cx="5482080" cy="4110480"/>
+            <a:ext cx="5481720" cy="4110120"/>
           </a:xfrm>
           <a:prstGeom prst="rect">
             <a:avLst/>
@@ -2010,7 +2010,7 @@
         <p:spPr>
           <a:xfrm>
             <a:off x="3884760" y="8685360"/>
-            <a:ext cx="2967480" cy="452880"/>
+            <a:ext cx="2967120" cy="452520"/>
           </a:xfrm>
           <a:prstGeom prst="rect">
             <a:avLst/>
@@ -2046,7 +2046,7 @@
               </a:lnSpc>
               <a:buNone/>
             </a:pPr>
-            <a:fld id="{548A298B-6F85-4078-B1C6-D60E1C7A4012}" type="slidenum">
+            <a:fld id="{BB2AAE48-52AC-4299-8B4D-990C8737323C}" type="slidenum">
               <a:rPr b="0" lang="en-US" sz="1200" spc="-1" strike="noStrike">
                 <a:solidFill>
                   <a:srgbClr val="000000"/>
@@ -2097,7 +2097,7 @@
         <p:spPr>
           <a:xfrm>
             <a:off x="380880" y="685800"/>
-            <a:ext cx="6091560" cy="3424680"/>
+            <a:ext cx="6091200" cy="3424320"/>
           </a:xfrm>
           <a:prstGeom prst="rect">
             <a:avLst/>
@@ -2120,7 +2120,7 @@
         <p:spPr>
           <a:xfrm>
             <a:off x="685800" y="4343400"/>
-            <a:ext cx="5482080" cy="4110480"/>
+            <a:ext cx="5481720" cy="4110120"/>
           </a:xfrm>
           <a:prstGeom prst="rect">
             <a:avLst/>
@@ -2154,7 +2154,7 @@
         <p:spPr>
           <a:xfrm>
             <a:off x="3884760" y="8685360"/>
-            <a:ext cx="2967480" cy="452880"/>
+            <a:ext cx="2967120" cy="452520"/>
           </a:xfrm>
           <a:prstGeom prst="rect">
             <a:avLst/>
@@ -2190,7 +2190,7 @@
               </a:lnSpc>
               <a:buNone/>
             </a:pPr>
-            <a:fld id="{1C24953A-D8EA-44B7-B06A-97846B2CE9A8}" type="slidenum">
+            <a:fld id="{483BAEAF-AE42-4B3E-B256-93110BBDE524}" type="slidenum">
               <a:rPr b="0" lang="en-US" sz="1200" spc="-1" strike="noStrike">
                 <a:solidFill>
                   <a:srgbClr val="000000"/>
@@ -2241,7 +2241,7 @@
         <p:spPr>
           <a:xfrm>
             <a:off x="380880" y="685800"/>
-            <a:ext cx="6091560" cy="3424680"/>
+            <a:ext cx="6091200" cy="3424320"/>
           </a:xfrm>
           <a:prstGeom prst="rect">
             <a:avLst/>
@@ -2264,7 +2264,7 @@
         <p:spPr>
           <a:xfrm>
             <a:off x="685800" y="4343400"/>
-            <a:ext cx="5482080" cy="4110480"/>
+            <a:ext cx="5481720" cy="4110120"/>
           </a:xfrm>
           <a:prstGeom prst="rect">
             <a:avLst/>
@@ -2298,7 +2298,7 @@
         <p:spPr>
           <a:xfrm>
             <a:off x="3884760" y="8685360"/>
-            <a:ext cx="2967480" cy="452880"/>
+            <a:ext cx="2967120" cy="452520"/>
           </a:xfrm>
           <a:prstGeom prst="rect">
             <a:avLst/>
@@ -2334,7 +2334,7 @@
               </a:lnSpc>
               <a:buNone/>
             </a:pPr>
-            <a:fld id="{995AB179-33AB-425F-A8E2-F28C0F60748F}" type="slidenum">
+            <a:fld id="{0B9B6D30-AEE1-4A01-87DB-FE577565F598}" type="slidenum">
               <a:rPr b="0" lang="en-US" sz="1200" spc="-1" strike="noStrike">
                 <a:solidFill>
                   <a:srgbClr val="000000"/>
@@ -2385,7 +2385,7 @@
         <p:spPr>
           <a:xfrm>
             <a:off x="380880" y="685800"/>
-            <a:ext cx="6091560" cy="3424680"/>
+            <a:ext cx="6091200" cy="3424320"/>
           </a:xfrm>
           <a:prstGeom prst="rect">
             <a:avLst/>
@@ -2408,7 +2408,7 @@
         <p:spPr>
           <a:xfrm>
             <a:off x="685800" y="4343400"/>
-            <a:ext cx="5482080" cy="4110480"/>
+            <a:ext cx="5481720" cy="4110120"/>
           </a:xfrm>
           <a:prstGeom prst="rect">
             <a:avLst/>
@@ -2442,7 +2442,7 @@
         <p:spPr>
           <a:xfrm>
             <a:off x="3884760" y="8685360"/>
-            <a:ext cx="2967480" cy="452880"/>
+            <a:ext cx="2967120" cy="452520"/>
           </a:xfrm>
           <a:prstGeom prst="rect">
             <a:avLst/>
@@ -2478,7 +2478,7 @@
               </a:lnSpc>
               <a:buNone/>
             </a:pPr>
-            <a:fld id="{1C0C7204-2D82-46BD-ACB9-E4ACA5FA94ED}" type="slidenum">
+            <a:fld id="{E18311D5-3FEC-4648-B7F4-3A29CAACC8B0}" type="slidenum">
               <a:rPr b="0" lang="en-US" sz="1200" spc="-1" strike="noStrike">
                 <a:solidFill>
                   <a:srgbClr val="000000"/>
@@ -2529,7 +2529,7 @@
         <p:spPr>
           <a:xfrm>
             <a:off x="380880" y="685800"/>
-            <a:ext cx="6091560" cy="3424680"/>
+            <a:ext cx="6091200" cy="3424320"/>
           </a:xfrm>
           <a:prstGeom prst="rect">
             <a:avLst/>
@@ -2552,7 +2552,7 @@
         <p:spPr>
           <a:xfrm>
             <a:off x="685800" y="4343400"/>
-            <a:ext cx="5482080" cy="4110480"/>
+            <a:ext cx="5481720" cy="4110120"/>
           </a:xfrm>
           <a:prstGeom prst="rect">
             <a:avLst/>
@@ -2586,7 +2586,7 @@
         <p:spPr>
           <a:xfrm>
             <a:off x="3884760" y="8685360"/>
-            <a:ext cx="2967480" cy="452880"/>
+            <a:ext cx="2967120" cy="452520"/>
           </a:xfrm>
           <a:prstGeom prst="rect">
             <a:avLst/>
@@ -2622,7 +2622,7 @@
               </a:lnSpc>
               <a:buNone/>
             </a:pPr>
-            <a:fld id="{DEE36FA2-DB79-4C00-9E58-53112BB5B890}" type="slidenum">
+            <a:fld id="{50BCDEFB-70A7-4543-BA08-F665E0BF6B35}" type="slidenum">
               <a:rPr b="0" lang="en-US" sz="1200" spc="-1" strike="noStrike">
                 <a:solidFill>
                   <a:srgbClr val="000000"/>
@@ -2673,7 +2673,7 @@
         <p:spPr>
           <a:xfrm>
             <a:off x="380880" y="685800"/>
-            <a:ext cx="6091560" cy="3424680"/>
+            <a:ext cx="6091200" cy="3424320"/>
           </a:xfrm>
           <a:prstGeom prst="rect">
             <a:avLst/>
@@ -2696,7 +2696,7 @@
         <p:spPr>
           <a:xfrm>
             <a:off x="685800" y="4343400"/>
-            <a:ext cx="5482080" cy="4110480"/>
+            <a:ext cx="5481720" cy="4110120"/>
           </a:xfrm>
           <a:prstGeom prst="rect">
             <a:avLst/>
@@ -2730,7 +2730,7 @@
         <p:spPr>
           <a:xfrm>
             <a:off x="3884760" y="8685360"/>
-            <a:ext cx="2967480" cy="452880"/>
+            <a:ext cx="2967120" cy="452520"/>
           </a:xfrm>
           <a:prstGeom prst="rect">
             <a:avLst/>
@@ -2766,7 +2766,7 @@
               </a:lnSpc>
               <a:buNone/>
             </a:pPr>
-            <a:fld id="{3D0D778F-1E1F-4436-A590-AB8DEFCC8D93}" type="slidenum">
+            <a:fld id="{380D66B8-2361-4471-981E-2D0132C30F2D}" type="slidenum">
               <a:rPr b="0" lang="en-US" sz="1200" spc="-1" strike="noStrike">
                 <a:solidFill>
                   <a:srgbClr val="000000"/>
@@ -2817,7 +2817,7 @@
         <p:spPr>
           <a:xfrm>
             <a:off x="380880" y="685800"/>
-            <a:ext cx="6091560" cy="3424680"/>
+            <a:ext cx="6091200" cy="3424320"/>
           </a:xfrm>
           <a:prstGeom prst="rect">
             <a:avLst/>
@@ -2840,7 +2840,7 @@
         <p:spPr>
           <a:xfrm>
             <a:off x="685800" y="4343400"/>
-            <a:ext cx="5482080" cy="4110480"/>
+            <a:ext cx="5481720" cy="4110120"/>
           </a:xfrm>
           <a:prstGeom prst="rect">
             <a:avLst/>
@@ -2874,7 +2874,7 @@
         <p:spPr>
           <a:xfrm>
             <a:off x="3884760" y="8685360"/>
-            <a:ext cx="2967480" cy="452880"/>
+            <a:ext cx="2967120" cy="452520"/>
           </a:xfrm>
           <a:prstGeom prst="rect">
             <a:avLst/>
@@ -2910,7 +2910,7 @@
               </a:lnSpc>
               <a:buNone/>
             </a:pPr>
-            <a:fld id="{A24B2472-D07C-4587-A579-6CCE86889591}" type="slidenum">
+            <a:fld id="{778E4E43-DD12-4DD4-AFCD-0994CBB0ABD8}" type="slidenum">
               <a:rPr b="0" lang="en-US" sz="1200" spc="-1" strike="noStrike">
                 <a:solidFill>
                   <a:srgbClr val="000000"/>
@@ -2961,7 +2961,7 @@
         <p:spPr>
           <a:xfrm>
             <a:off x="380880" y="685800"/>
-            <a:ext cx="6091560" cy="3424680"/>
+            <a:ext cx="6091200" cy="3424320"/>
           </a:xfrm>
           <a:prstGeom prst="rect">
             <a:avLst/>
@@ -2984,7 +2984,7 @@
         <p:spPr>
           <a:xfrm>
             <a:off x="685800" y="4343400"/>
-            <a:ext cx="5482080" cy="4110480"/>
+            <a:ext cx="5481720" cy="4110120"/>
           </a:xfrm>
           <a:prstGeom prst="rect">
             <a:avLst/>
@@ -3018,7 +3018,7 @@
         <p:spPr>
           <a:xfrm>
             <a:off x="3884760" y="8685360"/>
-            <a:ext cx="2967480" cy="452880"/>
+            <a:ext cx="2967120" cy="452520"/>
           </a:xfrm>
           <a:prstGeom prst="rect">
             <a:avLst/>
@@ -3054,7 +3054,7 @@
               </a:lnSpc>
               <a:buNone/>
             </a:pPr>
-            <a:fld id="{D179646F-B3D2-420D-85A2-4B666049D865}" type="slidenum">
+            <a:fld id="{82C3B0E7-B183-4BF0-B67D-C78480A3331E}" type="slidenum">
               <a:rPr b="0" lang="en-US" sz="1200" spc="-1" strike="noStrike">
                 <a:solidFill>
                   <a:srgbClr val="000000"/>
@@ -3105,7 +3105,7 @@
         <p:spPr>
           <a:xfrm>
             <a:off x="380880" y="685800"/>
-            <a:ext cx="6091560" cy="3424680"/>
+            <a:ext cx="6091200" cy="3424320"/>
           </a:xfrm>
           <a:prstGeom prst="rect">
             <a:avLst/>
@@ -3128,7 +3128,7 @@
         <p:spPr>
           <a:xfrm>
             <a:off x="685800" y="4343400"/>
-            <a:ext cx="5482080" cy="4110480"/>
+            <a:ext cx="5481720" cy="4110120"/>
           </a:xfrm>
           <a:prstGeom prst="rect">
             <a:avLst/>
@@ -3162,7 +3162,7 @@
         <p:spPr>
           <a:xfrm>
             <a:off x="3884760" y="8685360"/>
-            <a:ext cx="2967480" cy="452880"/>
+            <a:ext cx="2967120" cy="452520"/>
           </a:xfrm>
           <a:prstGeom prst="rect">
             <a:avLst/>
@@ -3198,7 +3198,7 @@
               </a:lnSpc>
               <a:buNone/>
             </a:pPr>
-            <a:fld id="{13C9F93B-B031-495E-A299-623CC9FA11FC}" type="slidenum">
+            <a:fld id="{49FC410E-3493-462D-8760-990188CBAE83}" type="slidenum">
               <a:rPr b="0" lang="en-US" sz="1200" spc="-1" strike="noStrike">
                 <a:solidFill>
                   <a:srgbClr val="000000"/>
@@ -3249,7 +3249,7 @@
         <p:spPr>
           <a:xfrm>
             <a:off x="380880" y="685800"/>
-            <a:ext cx="6091560" cy="3424680"/>
+            <a:ext cx="6091200" cy="3424320"/>
           </a:xfrm>
           <a:prstGeom prst="rect">
             <a:avLst/>
@@ -3272,7 +3272,7 @@
         <p:spPr>
           <a:xfrm>
             <a:off x="685800" y="4343400"/>
-            <a:ext cx="5482080" cy="4110480"/>
+            <a:ext cx="5481720" cy="4110120"/>
           </a:xfrm>
           <a:prstGeom prst="rect">
             <a:avLst/>
@@ -3306,7 +3306,7 @@
         <p:spPr>
           <a:xfrm>
             <a:off x="3884760" y="8685360"/>
-            <a:ext cx="2967480" cy="452880"/>
+            <a:ext cx="2967120" cy="452520"/>
           </a:xfrm>
           <a:prstGeom prst="rect">
             <a:avLst/>
@@ -3342,7 +3342,7 @@
               </a:lnSpc>
               <a:buNone/>
             </a:pPr>
-            <a:fld id="{199FD235-8E6D-4857-9C65-38E083D3C920}" type="slidenum">
+            <a:fld id="{B2FE701D-7617-4D0A-9F74-3D9506EE55EC}" type="slidenum">
               <a:rPr b="0" lang="en-US" sz="1200" spc="-1" strike="noStrike">
                 <a:solidFill>
                   <a:srgbClr val="000000"/>
@@ -3393,7 +3393,7 @@
         <p:spPr>
           <a:xfrm>
             <a:off x="380880" y="685800"/>
-            <a:ext cx="6091560" cy="3424680"/>
+            <a:ext cx="6091200" cy="3424320"/>
           </a:xfrm>
           <a:prstGeom prst="rect">
             <a:avLst/>
@@ -3416,7 +3416,7 @@
         <p:spPr>
           <a:xfrm>
             <a:off x="685800" y="4343400"/>
-            <a:ext cx="5482080" cy="4110480"/>
+            <a:ext cx="5481720" cy="4110120"/>
           </a:xfrm>
           <a:prstGeom prst="rect">
             <a:avLst/>
@@ -3450,7 +3450,7 @@
         <p:spPr>
           <a:xfrm>
             <a:off x="3884760" y="8685360"/>
-            <a:ext cx="2967480" cy="452880"/>
+            <a:ext cx="2967120" cy="452520"/>
           </a:xfrm>
           <a:prstGeom prst="rect">
             <a:avLst/>
@@ -3486,7 +3486,7 @@
               </a:lnSpc>
               <a:buNone/>
             </a:pPr>
-            <a:fld id="{8203C4E5-22D2-4C49-923D-9558A9695F40}" type="slidenum">
+            <a:fld id="{C20EE921-13F1-4532-AB5E-B9A1F60AF0A6}" type="slidenum">
               <a:rPr b="0" lang="en-US" sz="1200" spc="-1" strike="noStrike">
                 <a:solidFill>
                   <a:srgbClr val="000000"/>
@@ -3537,7 +3537,7 @@
         <p:spPr>
           <a:xfrm>
             <a:off x="380880" y="685800"/>
-            <a:ext cx="6091560" cy="3424680"/>
+            <a:ext cx="6091200" cy="3424320"/>
           </a:xfrm>
           <a:prstGeom prst="rect">
             <a:avLst/>
@@ -3560,7 +3560,7 @@
         <p:spPr>
           <a:xfrm>
             <a:off x="685800" y="4343400"/>
-            <a:ext cx="5482080" cy="4110480"/>
+            <a:ext cx="5481720" cy="4110120"/>
           </a:xfrm>
           <a:prstGeom prst="rect">
             <a:avLst/>
@@ -3594,7 +3594,7 @@
         <p:spPr>
           <a:xfrm>
             <a:off x="3884760" y="8685360"/>
-            <a:ext cx="2967480" cy="452880"/>
+            <a:ext cx="2967120" cy="452520"/>
           </a:xfrm>
           <a:prstGeom prst="rect">
             <a:avLst/>
@@ -3630,7 +3630,7 @@
               </a:lnSpc>
               <a:buNone/>
             </a:pPr>
-            <a:fld id="{81E81C59-87A6-483E-B3D0-5D378FDB68C5}" type="slidenum">
+            <a:fld id="{D43CA7EB-ED99-4D35-92FD-C1FFC50502BF}" type="slidenum">
               <a:rPr b="0" lang="en-US" sz="1200" spc="-1" strike="noStrike">
                 <a:solidFill>
                   <a:srgbClr val="000000"/>
@@ -3681,7 +3681,7 @@
         <p:spPr>
           <a:xfrm>
             <a:off x="380880" y="685800"/>
-            <a:ext cx="6091560" cy="3424680"/>
+            <a:ext cx="6091200" cy="3424320"/>
           </a:xfrm>
           <a:prstGeom prst="rect">
             <a:avLst/>
@@ -3704,7 +3704,7 @@
         <p:spPr>
           <a:xfrm>
             <a:off x="685800" y="4343400"/>
-            <a:ext cx="5482080" cy="4110480"/>
+            <a:ext cx="5481720" cy="4110120"/>
           </a:xfrm>
           <a:prstGeom prst="rect">
             <a:avLst/>
@@ -3738,7 +3738,7 @@
         <p:spPr>
           <a:xfrm>
             <a:off x="3884760" y="8685360"/>
-            <a:ext cx="2967480" cy="452880"/>
+            <a:ext cx="2967120" cy="452520"/>
           </a:xfrm>
           <a:prstGeom prst="rect">
             <a:avLst/>
@@ -3774,7 +3774,7 @@
               </a:lnSpc>
               <a:buNone/>
             </a:pPr>
-            <a:fld id="{B8137989-31F9-420B-81B8-93371EFFC129}" type="slidenum">
+            <a:fld id="{6A4D3EDC-F151-4AB7-8211-898FA86F2542}" type="slidenum">
               <a:rPr b="0" lang="en-US" sz="1200" spc="-1" strike="noStrike">
                 <a:solidFill>
                   <a:srgbClr val="000000"/>
@@ -3825,7 +3825,7 @@
         <p:spPr>
           <a:xfrm>
             <a:off x="380880" y="685800"/>
-            <a:ext cx="6091560" cy="3424680"/>
+            <a:ext cx="6091200" cy="3424320"/>
           </a:xfrm>
           <a:prstGeom prst="rect">
             <a:avLst/>
@@ -3848,7 +3848,7 @@
         <p:spPr>
           <a:xfrm>
             <a:off x="685800" y="4343400"/>
-            <a:ext cx="5482080" cy="4110480"/>
+            <a:ext cx="5481720" cy="4110120"/>
           </a:xfrm>
           <a:prstGeom prst="rect">
             <a:avLst/>
@@ -3882,7 +3882,7 @@
         <p:spPr>
           <a:xfrm>
             <a:off x="3884760" y="8685360"/>
-            <a:ext cx="2967480" cy="452880"/>
+            <a:ext cx="2967120" cy="452520"/>
           </a:xfrm>
           <a:prstGeom prst="rect">
             <a:avLst/>
@@ -3918,7 +3918,7 @@
               </a:lnSpc>
               <a:buNone/>
             </a:pPr>
-            <a:fld id="{CDFFFCDA-8C57-4571-A805-6B51FE9FB370}" type="slidenum">
+            <a:fld id="{BC09A58C-DFB1-4C99-8120-95E8568B4E50}" type="slidenum">
               <a:rPr b="0" lang="en-US" sz="1200" spc="-1" strike="noStrike">
                 <a:solidFill>
                   <a:srgbClr val="000000"/>
@@ -3969,7 +3969,7 @@
         <p:spPr>
           <a:xfrm>
             <a:off x="380880" y="685800"/>
-            <a:ext cx="6091560" cy="3424680"/>
+            <a:ext cx="6091200" cy="3424320"/>
           </a:xfrm>
           <a:prstGeom prst="rect">
             <a:avLst/>
@@ -3992,7 +3992,7 @@
         <p:spPr>
           <a:xfrm>
             <a:off x="685800" y="4343400"/>
-            <a:ext cx="5482080" cy="4110480"/>
+            <a:ext cx="5481720" cy="4110120"/>
           </a:xfrm>
           <a:prstGeom prst="rect">
             <a:avLst/>
@@ -4026,7 +4026,7 @@
         <p:spPr>
           <a:xfrm>
             <a:off x="3884760" y="8685360"/>
-            <a:ext cx="2967480" cy="452880"/>
+            <a:ext cx="2967120" cy="452520"/>
           </a:xfrm>
           <a:prstGeom prst="rect">
             <a:avLst/>
@@ -4062,7 +4062,7 @@
               </a:lnSpc>
               <a:buNone/>
             </a:pPr>
-            <a:fld id="{8BF22A6B-8BFF-4699-BA12-0081E15B0FD4}" type="slidenum">
+            <a:fld id="{CEA0E32D-BD19-4AFA-8FC1-3043E9CB0505}" type="slidenum">
               <a:rPr b="0" lang="en-US" sz="1200" spc="-1" strike="noStrike">
                 <a:solidFill>
                   <a:srgbClr val="000000"/>
@@ -4113,7 +4113,7 @@
         <p:spPr>
           <a:xfrm>
             <a:off x="380880" y="685800"/>
-            <a:ext cx="6091560" cy="3424680"/>
+            <a:ext cx="6091200" cy="3424320"/>
           </a:xfrm>
           <a:prstGeom prst="rect">
             <a:avLst/>
@@ -4136,7 +4136,7 @@
         <p:spPr>
           <a:xfrm>
             <a:off x="685800" y="4343400"/>
-            <a:ext cx="5482080" cy="4110480"/>
+            <a:ext cx="5481720" cy="4110120"/>
           </a:xfrm>
           <a:prstGeom prst="rect">
             <a:avLst/>
@@ -4170,7 +4170,7 @@
         <p:spPr>
           <a:xfrm>
             <a:off x="3884760" y="8685360"/>
-            <a:ext cx="2967480" cy="452880"/>
+            <a:ext cx="2967120" cy="452520"/>
           </a:xfrm>
           <a:prstGeom prst="rect">
             <a:avLst/>
@@ -4206,7 +4206,7 @@
               </a:lnSpc>
               <a:buNone/>
             </a:pPr>
-            <a:fld id="{BB251A0C-E6FC-4BCF-A295-D0E5E796A3BF}" type="slidenum">
+            <a:fld id="{E8A869F5-7DE3-48E6-A1A6-3C23094574A3}" type="slidenum">
               <a:rPr b="0" lang="en-US" sz="1200" spc="-1" strike="noStrike">
                 <a:solidFill>
                   <a:srgbClr val="000000"/>
@@ -4257,7 +4257,7 @@
         <p:spPr>
           <a:xfrm>
             <a:off x="380880" y="685800"/>
-            <a:ext cx="6091560" cy="3424680"/>
+            <a:ext cx="6091200" cy="3424320"/>
           </a:xfrm>
           <a:prstGeom prst="rect">
             <a:avLst/>
@@ -4280,7 +4280,7 @@
         <p:spPr>
           <a:xfrm>
             <a:off x="685800" y="4343400"/>
-            <a:ext cx="5482080" cy="4110480"/>
+            <a:ext cx="5481720" cy="4110120"/>
           </a:xfrm>
           <a:prstGeom prst="rect">
             <a:avLst/>
@@ -4314,7 +4314,7 @@
         <p:spPr>
           <a:xfrm>
             <a:off x="3884760" y="8685360"/>
-            <a:ext cx="2967480" cy="452880"/>
+            <a:ext cx="2967120" cy="452520"/>
           </a:xfrm>
           <a:prstGeom prst="rect">
             <a:avLst/>
@@ -4350,7 +4350,7 @@
               </a:lnSpc>
               <a:buNone/>
             </a:pPr>
-            <a:fld id="{8FD98384-9E31-4059-9A1C-8B9C4F677A80}" type="slidenum">
+            <a:fld id="{4E85700D-3648-4EBB-8FFE-CED8078FCD07}" type="slidenum">
               <a:rPr b="0" lang="en-US" sz="1200" spc="-1" strike="noStrike">
                 <a:solidFill>
                   <a:srgbClr val="000000"/>
@@ -4401,7 +4401,7 @@
         <p:spPr>
           <a:xfrm>
             <a:off x="380880" y="685800"/>
-            <a:ext cx="6091560" cy="3424680"/>
+            <a:ext cx="6091200" cy="3424320"/>
           </a:xfrm>
           <a:prstGeom prst="rect">
             <a:avLst/>
@@ -4424,7 +4424,7 @@
         <p:spPr>
           <a:xfrm>
             <a:off x="685800" y="4343400"/>
-            <a:ext cx="5482080" cy="4110480"/>
+            <a:ext cx="5481720" cy="4110120"/>
           </a:xfrm>
           <a:prstGeom prst="rect">
             <a:avLst/>
@@ -4458,7 +4458,7 @@
         <p:spPr>
           <a:xfrm>
             <a:off x="3884760" y="8685360"/>
-            <a:ext cx="2967480" cy="452880"/>
+            <a:ext cx="2967120" cy="452520"/>
           </a:xfrm>
           <a:prstGeom prst="rect">
             <a:avLst/>
@@ -4494,7 +4494,7 @@
               </a:lnSpc>
               <a:buNone/>
             </a:pPr>
-            <a:fld id="{075B763F-124C-494D-8266-6562F385793F}" type="slidenum">
+            <a:fld id="{6F5F64A1-A178-4A02-AC35-EC9BB6DD340A}" type="slidenum">
               <a:rPr b="0" lang="en-US" sz="1200" spc="-1" strike="noStrike">
                 <a:solidFill>
                   <a:srgbClr val="000000"/>
@@ -4545,7 +4545,7 @@
         <p:spPr>
           <a:xfrm>
             <a:off x="380880" y="685800"/>
-            <a:ext cx="6091560" cy="3424680"/>
+            <a:ext cx="6091200" cy="3424320"/>
           </a:xfrm>
           <a:prstGeom prst="rect">
             <a:avLst/>
@@ -4568,7 +4568,7 @@
         <p:spPr>
           <a:xfrm>
             <a:off x="685800" y="4343400"/>
-            <a:ext cx="5482080" cy="4110480"/>
+            <a:ext cx="5481720" cy="4110120"/>
           </a:xfrm>
           <a:prstGeom prst="rect">
             <a:avLst/>
@@ -4602,7 +4602,7 @@
         <p:spPr>
           <a:xfrm>
             <a:off x="3884760" y="8685360"/>
-            <a:ext cx="2967480" cy="452880"/>
+            <a:ext cx="2967120" cy="452520"/>
           </a:xfrm>
           <a:prstGeom prst="rect">
             <a:avLst/>
@@ -4638,7 +4638,7 @@
               </a:lnSpc>
               <a:buNone/>
             </a:pPr>
-            <a:fld id="{AFA838E5-2381-43BF-AC04-AF6E538A5FE7}" type="slidenum">
+            <a:fld id="{3F1FED9E-C4C4-4D41-A3DD-3486962C49A8}" type="slidenum">
               <a:rPr b="0" lang="en-US" sz="1200" spc="-1" strike="noStrike">
                 <a:solidFill>
                   <a:srgbClr val="000000"/>
@@ -4710,7 +4710,7 @@
         <p:txBody>
           <a:bodyPr/>
           <a:p>
-            <a:fld id="{2BB060B9-42FC-4A95-91C8-D51035BB0EB4}" type="slidenum">
+            <a:fld id="{7C74E6FE-343B-4398-B837-692731FE40C8}" type="slidenum">
               <a:t>&lt;#&gt;</a:t>
             </a:fld>
           </a:p>
@@ -4898,7 +4898,7 @@
         <p:txBody>
           <a:bodyPr/>
           <a:p>
-            <a:fld id="{D90AE235-B1F3-46CE-A254-2FCD049E2AA3}" type="slidenum">
+            <a:fld id="{310F37F5-414F-4AD3-B8DF-5E5CB7FCE478}" type="slidenum">
               <a:t>&lt;#&gt;</a:t>
             </a:fld>
           </a:p>
@@ -5154,7 +5154,7 @@
         <p:txBody>
           <a:bodyPr/>
           <a:p>
-            <a:fld id="{91550C69-BB94-4E3E-A842-CABE242673DE}" type="slidenum">
+            <a:fld id="{4F5B58CB-23F2-4285-A164-14D900EF3693}" type="slidenum">
               <a:t>&lt;#&gt;</a:t>
             </a:fld>
           </a:p>
@@ -5478,7 +5478,7 @@
         <p:txBody>
           <a:bodyPr/>
           <a:p>
-            <a:fld id="{3809B781-60AA-4FFC-89CF-337577968BB0}" type="slidenum">
+            <a:fld id="{340A0FFC-7E9B-419E-B658-B648FF788D52}" type="slidenum">
               <a:t>&lt;#&gt;</a:t>
             </a:fld>
           </a:p>
@@ -5635,7 +5635,7 @@
         <p:txBody>
           <a:bodyPr/>
           <a:p>
-            <a:fld id="{A6A64BE2-4760-49BC-8C1B-032C22870C50}" type="slidenum">
+            <a:fld id="{B89F84ED-9D0A-4272-818E-573609619236}" type="slidenum">
               <a:t>&lt;#&gt;</a:t>
             </a:fld>
           </a:p>
@@ -5789,7 +5789,7 @@
         <p:txBody>
           <a:bodyPr/>
           <a:p>
-            <a:fld id="{D751E241-86E4-4541-BFB5-BD4AC32779F3}" type="slidenum">
+            <a:fld id="{90937E46-20C0-4FEC-9E32-296951D34A75}" type="slidenum">
               <a:t>&lt;#&gt;</a:t>
             </a:fld>
           </a:p>
@@ -5977,7 +5977,7 @@
         <p:txBody>
           <a:bodyPr/>
           <a:p>
-            <a:fld id="{C4A96242-9E96-4A9C-A789-2022F248C467}" type="slidenum">
+            <a:fld id="{051F27B2-63C2-4D98-9FD4-D8692E73BD19}" type="slidenum">
               <a:t>&lt;#&gt;</a:t>
             </a:fld>
           </a:p>
@@ -6097,7 +6097,7 @@
         <p:txBody>
           <a:bodyPr/>
           <a:p>
-            <a:fld id="{E88FCFD6-BBB8-4C6A-9E2B-CA46A33DB284}" type="slidenum">
+            <a:fld id="{86FB392D-9CD6-401D-819F-A61E9D15A098}" type="slidenum">
               <a:t>&lt;#&gt;</a:t>
             </a:fld>
           </a:p>
@@ -6217,7 +6217,7 @@
         <p:txBody>
           <a:bodyPr/>
           <a:p>
-            <a:fld id="{DA0BE71D-4F66-40C2-AA7F-9A11A24DCB65}" type="slidenum">
+            <a:fld id="{F0877C59-2F31-41F0-AB39-109B3111499E}" type="slidenum">
               <a:t>&lt;#&gt;</a:t>
             </a:fld>
           </a:p>
@@ -6439,7 +6439,7 @@
         <p:txBody>
           <a:bodyPr/>
           <a:p>
-            <a:fld id="{B60281D8-2EE6-45AF-ACED-68F168FBF635}" type="slidenum">
+            <a:fld id="{95CB17FA-C8CD-441A-B884-FBDAC056B7F6}" type="slidenum">
               <a:t>&lt;#&gt;</a:t>
             </a:fld>
           </a:p>
@@ -6661,7 +6661,7 @@
         <p:txBody>
           <a:bodyPr/>
           <a:p>
-            <a:fld id="{BEEE3073-DAD1-4CDD-8169-614685F0DB5B}" type="slidenum">
+            <a:fld id="{3056E428-3BA8-4D9F-AB1A-B2F55CADECF6}" type="slidenum">
               <a:t>&lt;#&gt;</a:t>
             </a:fld>
           </a:p>
@@ -6883,7 +6883,7 @@
         <p:txBody>
           <a:bodyPr/>
           <a:p>
-            <a:fld id="{64448E9F-C789-49CA-9DC4-699A35E2A78A}" type="slidenum">
+            <a:fld id="{A5226579-5410-472A-8AC7-874FFEA80532}" type="slidenum">
               <a:t>&lt;#&gt;</a:t>
             </a:fld>
           </a:p>
@@ -6952,7 +6952,7 @@
         <p:spPr>
           <a:xfrm>
             <a:off x="3028680" y="4771440"/>
-            <a:ext cx="3082320" cy="270360"/>
+            <a:ext cx="3081960" cy="270000"/>
           </a:xfrm>
           <a:prstGeom prst="rect">
             <a:avLst/>
@@ -7017,7 +7017,7 @@
         <p:spPr>
           <a:xfrm>
             <a:off x="6457680" y="4771440"/>
-            <a:ext cx="2053800" cy="270360"/>
+            <a:ext cx="2053440" cy="270000"/>
           </a:xfrm>
           <a:prstGeom prst="rect">
             <a:avLst/>
@@ -7053,7 +7053,7 @@
               </a:lnSpc>
               <a:buNone/>
             </a:pPr>
-            <a:fld id="{7BA31AB5-0085-4CCE-BAED-B64DD680FED2}" type="slidenum">
+            <a:fld id="{44500E8A-CE73-4386-9371-EEDAE7FF54EC}" type="slidenum">
               <a:rPr b="0" lang="en-US" sz="1200" spc="-1" strike="noStrike">
                 <a:solidFill>
                   <a:srgbClr val="8b8b8b"/>
@@ -7061,7 +7061,7 @@
                 <a:latin typeface="Calibri"/>
                 <a:ea typeface="DejaVu Sans"/>
               </a:rPr>
-              <a:t>29</a:t>
+              <a:t>1</a:t>
             </a:fld>
             <a:endParaRPr b="0" lang="en-US" sz="1200" spc="-1" strike="noStrike">
               <a:latin typeface="Times New Roman"/>
@@ -7082,7 +7082,7 @@
         <p:spPr>
           <a:xfrm>
             <a:off x="628200" y="4771440"/>
-            <a:ext cx="2053800" cy="270360"/>
+            <a:ext cx="2053440" cy="270000"/>
           </a:xfrm>
           <a:prstGeom prst="rect">
             <a:avLst/>
@@ -7394,8 +7394,8 @@
         </p:nvSpPr>
         <p:spPr>
           <a:xfrm rot="2744400">
-            <a:off x="-281160" y="-25920"/>
-            <a:ext cx="704520" cy="704160"/>
+            <a:off x="-280800" y="-25560"/>
+            <a:ext cx="704160" cy="703800"/>
           </a:xfrm>
           <a:prstGeom prst="roundRect">
             <a:avLst>
@@ -7433,7 +7433,7 @@
         <p:spPr>
           <a:xfrm rot="2625600">
             <a:off x="6024960" y="4332960"/>
-            <a:ext cx="468360" cy="468360"/>
+            <a:ext cx="468000" cy="468000"/>
           </a:xfrm>
           <a:prstGeom prst="roundRect">
             <a:avLst>
@@ -7470,8 +7470,8 @@
         </p:nvSpPr>
         <p:spPr>
           <a:xfrm rot="18679200">
-            <a:off x="7003800" y="948600"/>
-            <a:ext cx="4939920" cy="4666320"/>
+            <a:off x="7003440" y="948600"/>
+            <a:ext cx="4939560" cy="4665960"/>
           </a:xfrm>
           <a:prstGeom prst="roundRect">
             <a:avLst>
@@ -7509,7 +7509,7 @@
         <p:spPr>
           <a:xfrm>
             <a:off x="459720" y="4671360"/>
-            <a:ext cx="2995560" cy="266400"/>
+            <a:ext cx="2995200" cy="266040"/>
           </a:xfrm>
           <a:prstGeom prst="rect">
             <a:avLst/>
@@ -7574,8 +7574,8 @@
         </p:blipFill>
         <p:spPr>
           <a:xfrm>
-            <a:off x="2423160" y="4671720"/>
-            <a:ext cx="288000" cy="288000"/>
+            <a:off x="3035160" y="4743720"/>
+            <a:ext cx="287640" cy="287640"/>
           </a:xfrm>
           <a:prstGeom prst="rect">
             <a:avLst/>
@@ -7594,7 +7594,7 @@
         <p:spPr>
           <a:xfrm>
             <a:off x="484920" y="1681560"/>
-            <a:ext cx="5481000" cy="1882440"/>
+            <a:ext cx="5480640" cy="1882080"/>
           </a:xfrm>
           <a:prstGeom prst="rect">
             <a:avLst/>
@@ -7682,8 +7682,8 @@
         </p:nvSpPr>
         <p:spPr>
           <a:xfrm rot="2744400">
-            <a:off x="-281160" y="-25920"/>
-            <a:ext cx="704520" cy="704160"/>
+            <a:off x="-280800" y="-25560"/>
+            <a:ext cx="704160" cy="703800"/>
           </a:xfrm>
           <a:prstGeom prst="roundRect">
             <a:avLst>
@@ -7721,7 +7721,7 @@
         <p:spPr>
           <a:xfrm rot="2332200">
             <a:off x="6009480" y="-319680"/>
-            <a:ext cx="4855680" cy="7726680"/>
+            <a:ext cx="4855320" cy="7726320"/>
           </a:xfrm>
           <a:prstGeom prst="roundRect">
             <a:avLst>
@@ -7759,9 +7759,9 @@
         <p:grpSpPr>
           <a:xfrm>
             <a:off x="4571640" y="828000"/>
-            <a:ext cx="4468320" cy="3564360"/>
+            <a:ext cx="4467960" cy="3564000"/>
             <a:chOff x="4571640" y="828000"/>
-            <a:chExt cx="4468320" cy="3564360"/>
+            <a:chExt cx="4467960" cy="3564000"/>
           </a:xfrm>
         </p:grpSpPr>
         <p:pic>
@@ -7777,7 +7777,7 @@
           <p:spPr>
             <a:xfrm>
               <a:off x="4571640" y="828000"/>
-              <a:ext cx="4468320" cy="3564360"/>
+              <a:ext cx="4467960" cy="3564000"/>
             </a:xfrm>
             <a:prstGeom prst="rect">
               <a:avLst/>
@@ -7795,8 +7795,8 @@
           </p:nvSpPr>
           <p:spPr>
             <a:xfrm rot="16200000">
-              <a:off x="5962680" y="1158840"/>
-              <a:ext cx="1737360" cy="2771280"/>
+              <a:off x="5962680" y="1159200"/>
+              <a:ext cx="1737000" cy="2770920"/>
             </a:xfrm>
             <a:prstGeom prst="roundRect">
               <a:avLst>
@@ -7863,7 +7863,7 @@
         <p:spPr>
           <a:xfrm>
             <a:off x="5446080" y="1672200"/>
-            <a:ext cx="2770920" cy="1737360"/>
+            <a:ext cx="2770560" cy="1737000"/>
           </a:xfrm>
           <a:prstGeom prst="rect">
             <a:avLst/>
@@ -7915,7 +7915,7 @@
         <p:spPr>
           <a:xfrm>
             <a:off x="586440" y="1246680"/>
-            <a:ext cx="4004280" cy="3600000"/>
+            <a:ext cx="4003920" cy="3599640"/>
           </a:xfrm>
           <a:prstGeom prst="rect">
             <a:avLst/>
@@ -7967,7 +7967,7 @@
         <p:spPr>
           <a:xfrm>
             <a:off x="586440" y="453960"/>
-            <a:ext cx="4764240" cy="855360"/>
+            <a:ext cx="4763880" cy="855000"/>
           </a:xfrm>
           <a:prstGeom prst="rect">
             <a:avLst/>
@@ -8056,7 +8056,7 @@
         <p:spPr>
           <a:xfrm rot="2745600">
             <a:off x="8349840" y="-668160"/>
-            <a:ext cx="1498320" cy="1498320"/>
+            <a:ext cx="1497960" cy="1497960"/>
           </a:xfrm>
           <a:prstGeom prst="roundRect">
             <a:avLst>
@@ -8094,7 +8094,7 @@
         <p:spPr>
           <a:xfrm rot="2745600">
             <a:off x="7634160" y="-322200"/>
-            <a:ext cx="807120" cy="807480"/>
+            <a:ext cx="806760" cy="807120"/>
           </a:xfrm>
           <a:prstGeom prst="roundRect">
             <a:avLst>
@@ -8133,7 +8133,7 @@
         <p:spPr>
           <a:xfrm>
             <a:off x="586440" y="899640"/>
-            <a:ext cx="7931880" cy="1537200"/>
+            <a:ext cx="7931520" cy="1536840"/>
           </a:xfrm>
           <a:prstGeom prst="rect">
             <a:avLst/>
@@ -8185,7 +8185,7 @@
         <p:spPr>
           <a:xfrm>
             <a:off x="608040" y="2545560"/>
-            <a:ext cx="3712320" cy="2255760"/>
+            <a:ext cx="3711960" cy="2255400"/>
           </a:xfrm>
           <a:prstGeom prst="rect">
             <a:avLst/>
@@ -8237,7 +8237,7 @@
         <p:spPr>
           <a:xfrm>
             <a:off x="4806360" y="2545560"/>
-            <a:ext cx="3712320" cy="2255760"/>
+            <a:ext cx="3711960" cy="2255400"/>
           </a:xfrm>
           <a:prstGeom prst="rect">
             <a:avLst/>
@@ -8289,7 +8289,7 @@
         <p:spPr>
           <a:xfrm>
             <a:off x="583200" y="450720"/>
-            <a:ext cx="7198200" cy="512280"/>
+            <a:ext cx="7197840" cy="511920"/>
           </a:xfrm>
           <a:prstGeom prst="rect">
             <a:avLst/>
@@ -8371,7 +8371,7 @@
         <p:spPr>
           <a:xfrm>
             <a:off x="586440" y="1246680"/>
-            <a:ext cx="4004280" cy="3600000"/>
+            <a:ext cx="4003920" cy="3599640"/>
           </a:xfrm>
           <a:prstGeom prst="rect">
             <a:avLst/>
@@ -8423,7 +8423,7 @@
         <p:spPr>
           <a:xfrm>
             <a:off x="559800" y="446040"/>
-            <a:ext cx="4283640" cy="683640"/>
+            <a:ext cx="4283280" cy="683280"/>
           </a:xfrm>
           <a:prstGeom prst="rect">
             <a:avLst/>
@@ -8475,7 +8475,7 @@
         <p:spPr>
           <a:xfrm>
             <a:off x="5097600" y="360"/>
-            <a:ext cx="4379760" cy="5144040"/>
+            <a:ext cx="4379400" cy="5143680"/>
           </a:xfrm>
           <a:prstGeom prst="roundRect">
             <a:avLst>
@@ -8540,8 +8540,8 @@
         </p:nvSpPr>
         <p:spPr>
           <a:xfrm rot="2744400">
-            <a:off x="-281160" y="-25920"/>
-            <a:ext cx="704520" cy="704160"/>
+            <a:off x="-280800" y="-25560"/>
+            <a:ext cx="704160" cy="703800"/>
           </a:xfrm>
           <a:prstGeom prst="roundRect">
             <a:avLst>
@@ -8579,7 +8579,7 @@
         <p:spPr>
           <a:xfrm rot="2625600">
             <a:off x="4861080" y="4146840"/>
-            <a:ext cx="468360" cy="468360"/>
+            <a:ext cx="468000" cy="468000"/>
           </a:xfrm>
           <a:prstGeom prst="roundRect">
             <a:avLst>
@@ -8653,8 +8653,8 @@
         </p:nvSpPr>
         <p:spPr>
           <a:xfrm rot="2744400">
-            <a:off x="-350280" y="4539960"/>
-            <a:ext cx="704520" cy="704160"/>
+            <a:off x="-349920" y="4539960"/>
+            <a:ext cx="704160" cy="703800"/>
           </a:xfrm>
           <a:prstGeom prst="roundRect">
             <a:avLst>
@@ -8691,8 +8691,8 @@
         </p:nvSpPr>
         <p:spPr>
           <a:xfrm rot="19228200">
-            <a:off x="5846400" y="-2266560"/>
-            <a:ext cx="4855320" cy="7726320"/>
+            <a:off x="5846040" y="-2266200"/>
+            <a:ext cx="4854960" cy="7725960"/>
           </a:xfrm>
           <a:prstGeom prst="roundRect">
             <a:avLst>
@@ -8730,9 +8730,9 @@
         <p:grpSpPr>
           <a:xfrm>
             <a:off x="4571640" y="828000"/>
-            <a:ext cx="4468320" cy="3564360"/>
+            <a:ext cx="4467960" cy="3564000"/>
             <a:chOff x="4571640" y="828000"/>
-            <a:chExt cx="4468320" cy="3564360"/>
+            <a:chExt cx="4467960" cy="3564000"/>
           </a:xfrm>
         </p:grpSpPr>
         <p:pic>
@@ -8748,7 +8748,7 @@
           <p:spPr>
             <a:xfrm>
               <a:off x="4571640" y="828000"/>
-              <a:ext cx="4468320" cy="3564360"/>
+              <a:ext cx="4467960" cy="3564000"/>
             </a:xfrm>
             <a:prstGeom prst="rect">
               <a:avLst/>
@@ -8766,8 +8766,8 @@
           </p:nvSpPr>
           <p:spPr>
             <a:xfrm rot="16200000">
-              <a:off x="5962680" y="1158840"/>
-              <a:ext cx="1737360" cy="2771280"/>
+              <a:off x="5962680" y="1159200"/>
+              <a:ext cx="1737000" cy="2770920"/>
             </a:xfrm>
             <a:prstGeom prst="roundRect">
               <a:avLst>
@@ -8834,7 +8834,7 @@
         <p:spPr>
           <a:xfrm>
             <a:off x="586440" y="1246680"/>
-            <a:ext cx="4004280" cy="3600000"/>
+            <a:ext cx="4003920" cy="3599640"/>
           </a:xfrm>
           <a:prstGeom prst="rect">
             <a:avLst/>
@@ -8886,7 +8886,7 @@
         <p:spPr>
           <a:xfrm>
             <a:off x="5446080" y="1672200"/>
-            <a:ext cx="2780280" cy="1737360"/>
+            <a:ext cx="2779920" cy="1737000"/>
           </a:xfrm>
           <a:prstGeom prst="rect">
             <a:avLst/>
@@ -8938,7 +8938,7 @@
         <p:spPr>
           <a:xfrm>
             <a:off x="586440" y="453960"/>
-            <a:ext cx="3696840" cy="855360"/>
+            <a:ext cx="3696480" cy="855000"/>
           </a:xfrm>
           <a:prstGeom prst="rect">
             <a:avLst/>
@@ -9027,7 +9027,7 @@
         <p:spPr>
           <a:xfrm>
             <a:off x="4222080" y="1246680"/>
-            <a:ext cx="4115160" cy="3600000"/>
+            <a:ext cx="4114800" cy="3599640"/>
           </a:xfrm>
           <a:prstGeom prst="rect">
             <a:avLst/>
@@ -9078,8 +9078,8 @@
         </p:nvSpPr>
         <p:spPr>
           <a:xfrm rot="16200000">
-            <a:off x="-2181600" y="1733400"/>
-            <a:ext cx="5144040" cy="1684080"/>
+            <a:off x="-2181600" y="1733760"/>
+            <a:ext cx="5143680" cy="1683720"/>
           </a:xfrm>
           <a:prstGeom prst="roundRect">
             <a:avLst>
@@ -9116,8 +9116,8 @@
         </p:nvSpPr>
         <p:spPr>
           <a:xfrm rot="2745000">
-            <a:off x="8575200" y="103680"/>
-            <a:ext cx="1132560" cy="1132200"/>
+            <a:off x="8575200" y="103320"/>
+            <a:ext cx="1132200" cy="1131840"/>
           </a:xfrm>
           <a:prstGeom prst="roundRect">
             <a:avLst>
@@ -9154,8 +9154,8 @@
         </p:nvSpPr>
         <p:spPr>
           <a:xfrm rot="16200000">
-            <a:off x="614880" y="918720"/>
-            <a:ext cx="3232080" cy="3313800"/>
+            <a:off x="614880" y="919080"/>
+            <a:ext cx="3231720" cy="3313440"/>
           </a:xfrm>
           <a:prstGeom prst="roundRect">
             <a:avLst>
@@ -9221,7 +9221,7 @@
         <p:spPr>
           <a:xfrm>
             <a:off x="4214160" y="456120"/>
-            <a:ext cx="4111920" cy="855360"/>
+            <a:ext cx="4111560" cy="855000"/>
           </a:xfrm>
           <a:prstGeom prst="rect">
             <a:avLst/>
@@ -9309,8 +9309,8 @@
         </p:nvSpPr>
         <p:spPr>
           <a:xfrm rot="2744400">
-            <a:off x="-281160" y="-25920"/>
-            <a:ext cx="704520" cy="704160"/>
+            <a:off x="-280800" y="-25560"/>
+            <a:ext cx="704160" cy="703800"/>
           </a:xfrm>
           <a:prstGeom prst="roundRect">
             <a:avLst>
@@ -9348,7 +9348,7 @@
         <p:spPr>
           <a:xfrm rot="2332200">
             <a:off x="6009480" y="-319680"/>
-            <a:ext cx="4855680" cy="7726680"/>
+            <a:ext cx="4855320" cy="7726320"/>
           </a:xfrm>
           <a:prstGeom prst="roundRect">
             <a:avLst>
@@ -9386,9 +9386,9 @@
         <p:grpSpPr>
           <a:xfrm>
             <a:off x="4571640" y="828000"/>
-            <a:ext cx="4468320" cy="3564360"/>
+            <a:ext cx="4467960" cy="3564000"/>
             <a:chOff x="4571640" y="828000"/>
-            <a:chExt cx="4468320" cy="3564360"/>
+            <a:chExt cx="4467960" cy="3564000"/>
           </a:xfrm>
         </p:grpSpPr>
         <p:pic>
@@ -9404,7 +9404,7 @@
           <p:spPr>
             <a:xfrm>
               <a:off x="4571640" y="828000"/>
-              <a:ext cx="4468320" cy="3564360"/>
+              <a:ext cx="4467960" cy="3564000"/>
             </a:xfrm>
             <a:prstGeom prst="rect">
               <a:avLst/>
@@ -9422,8 +9422,8 @@
           </p:nvSpPr>
           <p:spPr>
             <a:xfrm rot="16200000">
-              <a:off x="5962680" y="1158840"/>
-              <a:ext cx="1737360" cy="2771280"/>
+              <a:off x="5962680" y="1159200"/>
+              <a:ext cx="1737000" cy="2770920"/>
             </a:xfrm>
             <a:prstGeom prst="roundRect">
               <a:avLst>
@@ -9490,7 +9490,7 @@
         <p:spPr>
           <a:xfrm>
             <a:off x="5446080" y="1672200"/>
-            <a:ext cx="2770920" cy="1737360"/>
+            <a:ext cx="2770560" cy="1737000"/>
           </a:xfrm>
           <a:prstGeom prst="rect">
             <a:avLst/>
@@ -9542,7 +9542,7 @@
         <p:spPr>
           <a:xfrm>
             <a:off x="586440" y="1246680"/>
-            <a:ext cx="4004280" cy="3600000"/>
+            <a:ext cx="4003920" cy="3599640"/>
           </a:xfrm>
           <a:prstGeom prst="rect">
             <a:avLst/>
@@ -9594,7 +9594,7 @@
         <p:spPr>
           <a:xfrm>
             <a:off x="586440" y="453960"/>
-            <a:ext cx="4764240" cy="855360"/>
+            <a:ext cx="4763880" cy="855000"/>
           </a:xfrm>
           <a:prstGeom prst="rect">
             <a:avLst/>
@@ -9683,7 +9683,7 @@
         <p:spPr>
           <a:xfrm rot="2745600">
             <a:off x="8349840" y="-668160"/>
-            <a:ext cx="1498320" cy="1498320"/>
+            <a:ext cx="1497960" cy="1497960"/>
           </a:xfrm>
           <a:prstGeom prst="roundRect">
             <a:avLst>
@@ -9721,7 +9721,7 @@
         <p:spPr>
           <a:xfrm rot="2745600">
             <a:off x="7634160" y="-322200"/>
-            <a:ext cx="807120" cy="807480"/>
+            <a:ext cx="806760" cy="807120"/>
           </a:xfrm>
           <a:prstGeom prst="roundRect">
             <a:avLst>
@@ -9760,7 +9760,7 @@
         <p:spPr>
           <a:xfrm>
             <a:off x="586440" y="899640"/>
-            <a:ext cx="7931880" cy="1537200"/>
+            <a:ext cx="7931520" cy="1536840"/>
           </a:xfrm>
           <a:prstGeom prst="rect">
             <a:avLst/>
@@ -9812,7 +9812,7 @@
         <p:spPr>
           <a:xfrm>
             <a:off x="608040" y="2545560"/>
-            <a:ext cx="3712320" cy="2255760"/>
+            <a:ext cx="3711960" cy="2255400"/>
           </a:xfrm>
           <a:prstGeom prst="rect">
             <a:avLst/>
@@ -9864,7 +9864,7 @@
         <p:spPr>
           <a:xfrm>
             <a:off x="4806360" y="2545560"/>
-            <a:ext cx="3712320" cy="2255760"/>
+            <a:ext cx="3711960" cy="2255400"/>
           </a:xfrm>
           <a:prstGeom prst="rect">
             <a:avLst/>
@@ -9916,7 +9916,7 @@
         <p:spPr>
           <a:xfrm>
             <a:off x="583200" y="450720"/>
-            <a:ext cx="7198200" cy="512280"/>
+            <a:ext cx="7197840" cy="511920"/>
           </a:xfrm>
           <a:prstGeom prst="rect">
             <a:avLst/>
@@ -9998,7 +9998,7 @@
         <p:spPr>
           <a:xfrm>
             <a:off x="586440" y="1246680"/>
-            <a:ext cx="4004280" cy="3600000"/>
+            <a:ext cx="4003920" cy="3599640"/>
           </a:xfrm>
           <a:prstGeom prst="rect">
             <a:avLst/>
@@ -10050,7 +10050,7 @@
         <p:spPr>
           <a:xfrm>
             <a:off x="559800" y="446040"/>
-            <a:ext cx="4283640" cy="683640"/>
+            <a:ext cx="4283280" cy="683280"/>
           </a:xfrm>
           <a:prstGeom prst="rect">
             <a:avLst/>
@@ -10102,7 +10102,7 @@
         <p:spPr>
           <a:xfrm>
             <a:off x="5097600" y="360"/>
-            <a:ext cx="4379760" cy="5144040"/>
+            <a:ext cx="4379400" cy="5143680"/>
           </a:xfrm>
           <a:prstGeom prst="roundRect">
             <a:avLst>
@@ -10167,8 +10167,8 @@
         </p:nvSpPr>
         <p:spPr>
           <a:xfrm rot="2744400">
-            <a:off x="-281160" y="-25920"/>
-            <a:ext cx="704520" cy="704160"/>
+            <a:off x="-280800" y="-25560"/>
+            <a:ext cx="704160" cy="703800"/>
           </a:xfrm>
           <a:prstGeom prst="roundRect">
             <a:avLst>
@@ -10206,7 +10206,7 @@
         <p:spPr>
           <a:xfrm rot="2625600">
             <a:off x="4861080" y="4146840"/>
-            <a:ext cx="468360" cy="468360"/>
+            <a:ext cx="468000" cy="468000"/>
           </a:xfrm>
           <a:prstGeom prst="roundRect">
             <a:avLst>
@@ -10280,8 +10280,8 @@
         </p:nvSpPr>
         <p:spPr>
           <a:xfrm rot="2744400">
-            <a:off x="-350280" y="4539960"/>
-            <a:ext cx="704520" cy="704160"/>
+            <a:off x="-349920" y="4539960"/>
+            <a:ext cx="704160" cy="703800"/>
           </a:xfrm>
           <a:prstGeom prst="roundRect">
             <a:avLst>
@@ -10318,8 +10318,8 @@
         </p:nvSpPr>
         <p:spPr>
           <a:xfrm rot="19228200">
-            <a:off x="5846400" y="-2266560"/>
-            <a:ext cx="4855320" cy="7726320"/>
+            <a:off x="5846040" y="-2266200"/>
+            <a:ext cx="4854960" cy="7725960"/>
           </a:xfrm>
           <a:prstGeom prst="roundRect">
             <a:avLst>
@@ -10357,9 +10357,9 @@
         <p:grpSpPr>
           <a:xfrm>
             <a:off x="4571640" y="828000"/>
-            <a:ext cx="4468320" cy="3564360"/>
+            <a:ext cx="4467960" cy="3564000"/>
             <a:chOff x="4571640" y="828000"/>
-            <a:chExt cx="4468320" cy="3564360"/>
+            <a:chExt cx="4467960" cy="3564000"/>
           </a:xfrm>
         </p:grpSpPr>
         <p:pic>
@@ -10375,7 +10375,7 @@
           <p:spPr>
             <a:xfrm>
               <a:off x="4571640" y="828000"/>
-              <a:ext cx="4468320" cy="3564360"/>
+              <a:ext cx="4467960" cy="3564000"/>
             </a:xfrm>
             <a:prstGeom prst="rect">
               <a:avLst/>
@@ -10393,8 +10393,8 @@
           </p:nvSpPr>
           <p:spPr>
             <a:xfrm rot="16200000">
-              <a:off x="5962680" y="1158840"/>
-              <a:ext cx="1737360" cy="2771280"/>
+              <a:off x="5962680" y="1159200"/>
+              <a:ext cx="1737000" cy="2770920"/>
             </a:xfrm>
             <a:prstGeom prst="roundRect">
               <a:avLst>
@@ -10461,7 +10461,7 @@
         <p:spPr>
           <a:xfrm>
             <a:off x="586440" y="1246680"/>
-            <a:ext cx="4004280" cy="3600000"/>
+            <a:ext cx="4003920" cy="3599640"/>
           </a:xfrm>
           <a:prstGeom prst="rect">
             <a:avLst/>
@@ -10513,7 +10513,7 @@
         <p:spPr>
           <a:xfrm>
             <a:off x="5446080" y="1672200"/>
-            <a:ext cx="2780280" cy="1737360"/>
+            <a:ext cx="2779920" cy="1737000"/>
           </a:xfrm>
           <a:prstGeom prst="rect">
             <a:avLst/>
@@ -10565,7 +10565,7 @@
         <p:spPr>
           <a:xfrm>
             <a:off x="586440" y="453960"/>
-            <a:ext cx="3696840" cy="855360"/>
+            <a:ext cx="3696480" cy="855000"/>
           </a:xfrm>
           <a:prstGeom prst="rect">
             <a:avLst/>
@@ -10654,7 +10654,7 @@
         <p:spPr>
           <a:xfrm>
             <a:off x="4222080" y="1246680"/>
-            <a:ext cx="4115160" cy="3600000"/>
+            <a:ext cx="4114800" cy="3599640"/>
           </a:xfrm>
           <a:prstGeom prst="rect">
             <a:avLst/>
@@ -10705,8 +10705,8 @@
         </p:nvSpPr>
         <p:spPr>
           <a:xfrm rot="16200000">
-            <a:off x="-2181600" y="1733400"/>
-            <a:ext cx="5144040" cy="1684080"/>
+            <a:off x="-2181600" y="1733760"/>
+            <a:ext cx="5143680" cy="1683720"/>
           </a:xfrm>
           <a:prstGeom prst="roundRect">
             <a:avLst>
@@ -10743,8 +10743,8 @@
         </p:nvSpPr>
         <p:spPr>
           <a:xfrm rot="2745000">
-            <a:off x="8575200" y="103680"/>
-            <a:ext cx="1132560" cy="1132200"/>
+            <a:off x="8575200" y="103320"/>
+            <a:ext cx="1132200" cy="1131840"/>
           </a:xfrm>
           <a:prstGeom prst="roundRect">
             <a:avLst>
@@ -10781,8 +10781,8 @@
         </p:nvSpPr>
         <p:spPr>
           <a:xfrm rot="16200000">
-            <a:off x="614880" y="918720"/>
-            <a:ext cx="3232080" cy="3313800"/>
+            <a:off x="614880" y="919080"/>
+            <a:ext cx="3231720" cy="3313440"/>
           </a:xfrm>
           <a:prstGeom prst="roundRect">
             <a:avLst>
@@ -10848,7 +10848,7 @@
         <p:spPr>
           <a:xfrm>
             <a:off x="4214160" y="456120"/>
-            <a:ext cx="4111920" cy="855360"/>
+            <a:ext cx="4111560" cy="855000"/>
           </a:xfrm>
           <a:prstGeom prst="rect">
             <a:avLst/>
@@ -10930,7 +10930,7 @@
         <p:spPr>
           <a:xfrm>
             <a:off x="586440" y="1246680"/>
-            <a:ext cx="4004280" cy="3600000"/>
+            <a:ext cx="4003920" cy="3599640"/>
           </a:xfrm>
           <a:prstGeom prst="rect">
             <a:avLst/>
@@ -10982,7 +10982,7 @@
         <p:spPr>
           <a:xfrm>
             <a:off x="559800" y="446040"/>
-            <a:ext cx="4283640" cy="683640"/>
+            <a:ext cx="4283280" cy="683280"/>
           </a:xfrm>
           <a:prstGeom prst="rect">
             <a:avLst/>
@@ -11034,7 +11034,7 @@
         <p:spPr>
           <a:xfrm>
             <a:off x="5097600" y="360"/>
-            <a:ext cx="4379760" cy="5144040"/>
+            <a:ext cx="4379400" cy="5143680"/>
           </a:xfrm>
           <a:prstGeom prst="roundRect">
             <a:avLst>
@@ -11099,8 +11099,8 @@
         </p:nvSpPr>
         <p:spPr>
           <a:xfrm rot="2744400">
-            <a:off x="-281160" y="-25920"/>
-            <a:ext cx="704520" cy="704160"/>
+            <a:off x="-280800" y="-25560"/>
+            <a:ext cx="704160" cy="703800"/>
           </a:xfrm>
           <a:prstGeom prst="roundRect">
             <a:avLst>
@@ -11138,7 +11138,7 @@
         <p:spPr>
           <a:xfrm rot="2625600">
             <a:off x="4861080" y="4146840"/>
-            <a:ext cx="468360" cy="468360"/>
+            <a:ext cx="468000" cy="468000"/>
           </a:xfrm>
           <a:prstGeom prst="roundRect">
             <a:avLst>
@@ -11212,8 +11212,8 @@
         </p:nvSpPr>
         <p:spPr>
           <a:xfrm rot="2744400">
-            <a:off x="-281160" y="-25920"/>
-            <a:ext cx="704520" cy="704160"/>
+            <a:off x="-280800" y="-25560"/>
+            <a:ext cx="704160" cy="703800"/>
           </a:xfrm>
           <a:prstGeom prst="roundRect">
             <a:avLst>
@@ -11251,7 +11251,7 @@
         <p:spPr>
           <a:xfrm rot="2332200">
             <a:off x="6009480" y="-319680"/>
-            <a:ext cx="4855680" cy="7726680"/>
+            <a:ext cx="4855320" cy="7726320"/>
           </a:xfrm>
           <a:prstGeom prst="roundRect">
             <a:avLst>
@@ -11289,9 +11289,9 @@
         <p:grpSpPr>
           <a:xfrm>
             <a:off x="4571640" y="828000"/>
-            <a:ext cx="4468320" cy="3564360"/>
+            <a:ext cx="4467960" cy="3564000"/>
             <a:chOff x="4571640" y="828000"/>
-            <a:chExt cx="4468320" cy="3564360"/>
+            <a:chExt cx="4467960" cy="3564000"/>
           </a:xfrm>
         </p:grpSpPr>
         <p:pic>
@@ -11307,7 +11307,7 @@
           <p:spPr>
             <a:xfrm>
               <a:off x="4571640" y="828000"/>
-              <a:ext cx="4468320" cy="3564360"/>
+              <a:ext cx="4467960" cy="3564000"/>
             </a:xfrm>
             <a:prstGeom prst="rect">
               <a:avLst/>
@@ -11325,8 +11325,8 @@
           </p:nvSpPr>
           <p:spPr>
             <a:xfrm rot="16200000">
-              <a:off x="5962680" y="1158840"/>
-              <a:ext cx="1737360" cy="2771280"/>
+              <a:off x="5962680" y="1159200"/>
+              <a:ext cx="1737000" cy="2770920"/>
             </a:xfrm>
             <a:prstGeom prst="roundRect">
               <a:avLst>
@@ -11393,7 +11393,7 @@
         <p:spPr>
           <a:xfrm>
             <a:off x="5446080" y="1672200"/>
-            <a:ext cx="2770920" cy="1737360"/>
+            <a:ext cx="2770560" cy="1737000"/>
           </a:xfrm>
           <a:prstGeom prst="rect">
             <a:avLst/>
@@ -11445,7 +11445,7 @@
         <p:spPr>
           <a:xfrm>
             <a:off x="586440" y="1246680"/>
-            <a:ext cx="4004280" cy="3600000"/>
+            <a:ext cx="4003920" cy="3599640"/>
           </a:xfrm>
           <a:prstGeom prst="rect">
             <a:avLst/>
@@ -11497,7 +11497,7 @@
         <p:spPr>
           <a:xfrm>
             <a:off x="586440" y="453960"/>
-            <a:ext cx="4764240" cy="855360"/>
+            <a:ext cx="4763880" cy="855000"/>
           </a:xfrm>
           <a:prstGeom prst="rect">
             <a:avLst/>
@@ -11586,7 +11586,7 @@
         <p:spPr>
           <a:xfrm rot="2745600">
             <a:off x="8349840" y="-668160"/>
-            <a:ext cx="1498320" cy="1498320"/>
+            <a:ext cx="1497960" cy="1497960"/>
           </a:xfrm>
           <a:prstGeom prst="roundRect">
             <a:avLst>
@@ -11624,7 +11624,7 @@
         <p:spPr>
           <a:xfrm rot="2745600">
             <a:off x="7634160" y="-322200"/>
-            <a:ext cx="807120" cy="807480"/>
+            <a:ext cx="806760" cy="807120"/>
           </a:xfrm>
           <a:prstGeom prst="roundRect">
             <a:avLst>
@@ -11663,7 +11663,7 @@
         <p:spPr>
           <a:xfrm>
             <a:off x="586440" y="899640"/>
-            <a:ext cx="7931880" cy="1537200"/>
+            <a:ext cx="7931520" cy="1536840"/>
           </a:xfrm>
           <a:prstGeom prst="rect">
             <a:avLst/>
@@ -11715,7 +11715,7 @@
         <p:spPr>
           <a:xfrm>
             <a:off x="608040" y="2545560"/>
-            <a:ext cx="3712320" cy="2255760"/>
+            <a:ext cx="3711960" cy="2255400"/>
           </a:xfrm>
           <a:prstGeom prst="rect">
             <a:avLst/>
@@ -11767,7 +11767,7 @@
         <p:spPr>
           <a:xfrm>
             <a:off x="4806360" y="2545560"/>
-            <a:ext cx="3712320" cy="2255760"/>
+            <a:ext cx="3711960" cy="2255400"/>
           </a:xfrm>
           <a:prstGeom prst="rect">
             <a:avLst/>
@@ -11819,7 +11819,7 @@
         <p:spPr>
           <a:xfrm>
             <a:off x="583200" y="450720"/>
-            <a:ext cx="7198200" cy="512280"/>
+            <a:ext cx="7197840" cy="511920"/>
           </a:xfrm>
           <a:prstGeom prst="rect">
             <a:avLst/>
@@ -11901,7 +11901,7 @@
         <p:spPr>
           <a:xfrm>
             <a:off x="586440" y="1246680"/>
-            <a:ext cx="4004280" cy="3600000"/>
+            <a:ext cx="4003920" cy="3599640"/>
           </a:xfrm>
           <a:prstGeom prst="rect">
             <a:avLst/>
@@ -11953,7 +11953,7 @@
         <p:spPr>
           <a:xfrm>
             <a:off x="559800" y="446040"/>
-            <a:ext cx="4283640" cy="683640"/>
+            <a:ext cx="4283280" cy="683280"/>
           </a:xfrm>
           <a:prstGeom prst="rect">
             <a:avLst/>
@@ -12005,7 +12005,7 @@
         <p:spPr>
           <a:xfrm>
             <a:off x="5097600" y="360"/>
-            <a:ext cx="4379760" cy="5144040"/>
+            <a:ext cx="4379400" cy="5143680"/>
           </a:xfrm>
           <a:prstGeom prst="roundRect">
             <a:avLst>
@@ -12070,8 +12070,8 @@
         </p:nvSpPr>
         <p:spPr>
           <a:xfrm rot="2744400">
-            <a:off x="-281160" y="-25920"/>
-            <a:ext cx="704520" cy="704160"/>
+            <a:off x="-280800" y="-25560"/>
+            <a:ext cx="704160" cy="703800"/>
           </a:xfrm>
           <a:prstGeom prst="roundRect">
             <a:avLst>
@@ -12109,7 +12109,7 @@
         <p:spPr>
           <a:xfrm rot="2625600">
             <a:off x="4861080" y="4146840"/>
-            <a:ext cx="468360" cy="468360"/>
+            <a:ext cx="468000" cy="468000"/>
           </a:xfrm>
           <a:prstGeom prst="roundRect">
             <a:avLst>
@@ -12183,8 +12183,8 @@
         </p:nvSpPr>
         <p:spPr>
           <a:xfrm rot="2744400">
-            <a:off x="-350280" y="4539960"/>
-            <a:ext cx="704520" cy="704160"/>
+            <a:off x="-349920" y="4539960"/>
+            <a:ext cx="704160" cy="703800"/>
           </a:xfrm>
           <a:prstGeom prst="roundRect">
             <a:avLst>
@@ -12221,8 +12221,8 @@
         </p:nvSpPr>
         <p:spPr>
           <a:xfrm rot="19228200">
-            <a:off x="5846400" y="-2266560"/>
-            <a:ext cx="4855320" cy="7726320"/>
+            <a:off x="5846040" y="-2266200"/>
+            <a:ext cx="4854960" cy="7725960"/>
           </a:xfrm>
           <a:prstGeom prst="roundRect">
             <a:avLst>
@@ -12260,9 +12260,9 @@
         <p:grpSpPr>
           <a:xfrm>
             <a:off x="4571640" y="828000"/>
-            <a:ext cx="4468320" cy="3564360"/>
+            <a:ext cx="4467960" cy="3564000"/>
             <a:chOff x="4571640" y="828000"/>
-            <a:chExt cx="4468320" cy="3564360"/>
+            <a:chExt cx="4467960" cy="3564000"/>
           </a:xfrm>
         </p:grpSpPr>
         <p:pic>
@@ -12278,7 +12278,7 @@
           <p:spPr>
             <a:xfrm>
               <a:off x="4571640" y="828000"/>
-              <a:ext cx="4468320" cy="3564360"/>
+              <a:ext cx="4467960" cy="3564000"/>
             </a:xfrm>
             <a:prstGeom prst="rect">
               <a:avLst/>
@@ -12296,8 +12296,8 @@
           </p:nvSpPr>
           <p:spPr>
             <a:xfrm rot="16200000">
-              <a:off x="5962680" y="1158840"/>
-              <a:ext cx="1737360" cy="2771280"/>
+              <a:off x="5962680" y="1159200"/>
+              <a:ext cx="1737000" cy="2770920"/>
             </a:xfrm>
             <a:prstGeom prst="roundRect">
               <a:avLst>
@@ -12364,7 +12364,7 @@
         <p:spPr>
           <a:xfrm>
             <a:off x="586440" y="1246680"/>
-            <a:ext cx="4004280" cy="3600000"/>
+            <a:ext cx="4003920" cy="3599640"/>
           </a:xfrm>
           <a:prstGeom prst="rect">
             <a:avLst/>
@@ -12416,7 +12416,7 @@
         <p:spPr>
           <a:xfrm>
             <a:off x="5446080" y="1672200"/>
-            <a:ext cx="2780280" cy="1737360"/>
+            <a:ext cx="2779920" cy="1737000"/>
           </a:xfrm>
           <a:prstGeom prst="rect">
             <a:avLst/>
@@ -12468,7 +12468,7 @@
         <p:spPr>
           <a:xfrm>
             <a:off x="586440" y="453960"/>
-            <a:ext cx="3696840" cy="855360"/>
+            <a:ext cx="3696480" cy="855000"/>
           </a:xfrm>
           <a:prstGeom prst="rect">
             <a:avLst/>
@@ -12557,7 +12557,7 @@
         <p:spPr>
           <a:xfrm>
             <a:off x="4222080" y="1246680"/>
-            <a:ext cx="4115160" cy="3600000"/>
+            <a:ext cx="4114800" cy="3599640"/>
           </a:xfrm>
           <a:prstGeom prst="rect">
             <a:avLst/>
@@ -12608,8 +12608,8 @@
         </p:nvSpPr>
         <p:spPr>
           <a:xfrm rot="16200000">
-            <a:off x="-2181600" y="1733400"/>
-            <a:ext cx="5144040" cy="1684080"/>
+            <a:off x="-2181600" y="1733760"/>
+            <a:ext cx="5143680" cy="1683720"/>
           </a:xfrm>
           <a:prstGeom prst="roundRect">
             <a:avLst>
@@ -12646,8 +12646,8 @@
         </p:nvSpPr>
         <p:spPr>
           <a:xfrm rot="2745000">
-            <a:off x="8575200" y="103680"/>
-            <a:ext cx="1132560" cy="1132200"/>
+            <a:off x="8575200" y="103320"/>
+            <a:ext cx="1132200" cy="1131840"/>
           </a:xfrm>
           <a:prstGeom prst="roundRect">
             <a:avLst>
@@ -12684,8 +12684,8 @@
         </p:nvSpPr>
         <p:spPr>
           <a:xfrm rot="16200000">
-            <a:off x="614880" y="918720"/>
-            <a:ext cx="3232080" cy="3313800"/>
+            <a:off x="614880" y="919080"/>
+            <a:ext cx="3231720" cy="3313440"/>
           </a:xfrm>
           <a:prstGeom prst="roundRect">
             <a:avLst>
@@ -12751,7 +12751,7 @@
         <p:spPr>
           <a:xfrm>
             <a:off x="4214160" y="456120"/>
-            <a:ext cx="4111920" cy="855360"/>
+            <a:ext cx="4111560" cy="855000"/>
           </a:xfrm>
           <a:prstGeom prst="rect">
             <a:avLst/>
@@ -12839,8 +12839,8 @@
         </p:nvSpPr>
         <p:spPr>
           <a:xfrm rot="2744400">
-            <a:off x="-281160" y="-25920"/>
-            <a:ext cx="704520" cy="704160"/>
+            <a:off x="-280800" y="-25560"/>
+            <a:ext cx="704160" cy="703800"/>
           </a:xfrm>
           <a:prstGeom prst="roundRect">
             <a:avLst>
@@ -12878,7 +12878,7 @@
         <p:spPr>
           <a:xfrm rot="2332200">
             <a:off x="6009480" y="-319680"/>
-            <a:ext cx="4855680" cy="7726680"/>
+            <a:ext cx="4855320" cy="7726320"/>
           </a:xfrm>
           <a:prstGeom prst="roundRect">
             <a:avLst>
@@ -12916,9 +12916,9 @@
         <p:grpSpPr>
           <a:xfrm>
             <a:off x="4571640" y="828000"/>
-            <a:ext cx="4468320" cy="3564360"/>
+            <a:ext cx="4467960" cy="3564000"/>
             <a:chOff x="4571640" y="828000"/>
-            <a:chExt cx="4468320" cy="3564360"/>
+            <a:chExt cx="4467960" cy="3564000"/>
           </a:xfrm>
         </p:grpSpPr>
         <p:pic>
@@ -12934,7 +12934,7 @@
           <p:spPr>
             <a:xfrm>
               <a:off x="4571640" y="828000"/>
-              <a:ext cx="4468320" cy="3564360"/>
+              <a:ext cx="4467960" cy="3564000"/>
             </a:xfrm>
             <a:prstGeom prst="rect">
               <a:avLst/>
@@ -12952,8 +12952,8 @@
           </p:nvSpPr>
           <p:spPr>
             <a:xfrm rot="16200000">
-              <a:off x="5962680" y="1158840"/>
-              <a:ext cx="1737360" cy="2771280"/>
+              <a:off x="5962680" y="1159200"/>
+              <a:ext cx="1737000" cy="2770920"/>
             </a:xfrm>
             <a:prstGeom prst="roundRect">
               <a:avLst>
@@ -13020,7 +13020,7 @@
         <p:spPr>
           <a:xfrm>
             <a:off x="5446080" y="1672200"/>
-            <a:ext cx="2770920" cy="1737360"/>
+            <a:ext cx="2770560" cy="1737000"/>
           </a:xfrm>
           <a:prstGeom prst="rect">
             <a:avLst/>
@@ -13072,7 +13072,7 @@
         <p:spPr>
           <a:xfrm>
             <a:off x="586440" y="1246680"/>
-            <a:ext cx="4004280" cy="3600000"/>
+            <a:ext cx="4003920" cy="3599640"/>
           </a:xfrm>
           <a:prstGeom prst="rect">
             <a:avLst/>
@@ -13124,7 +13124,7 @@
         <p:spPr>
           <a:xfrm>
             <a:off x="586440" y="453960"/>
-            <a:ext cx="4764240" cy="855360"/>
+            <a:ext cx="4763880" cy="855000"/>
           </a:xfrm>
           <a:prstGeom prst="rect">
             <a:avLst/>
@@ -13213,7 +13213,7 @@
         <p:spPr>
           <a:xfrm rot="2745600">
             <a:off x="8349840" y="-668160"/>
-            <a:ext cx="1498320" cy="1498320"/>
+            <a:ext cx="1497960" cy="1497960"/>
           </a:xfrm>
           <a:prstGeom prst="roundRect">
             <a:avLst>
@@ -13251,7 +13251,7 @@
         <p:spPr>
           <a:xfrm rot="2745600">
             <a:off x="7634160" y="-322200"/>
-            <a:ext cx="807120" cy="807480"/>
+            <a:ext cx="806760" cy="807120"/>
           </a:xfrm>
           <a:prstGeom prst="roundRect">
             <a:avLst>
@@ -13290,7 +13290,7 @@
         <p:spPr>
           <a:xfrm>
             <a:off x="586440" y="899640"/>
-            <a:ext cx="7931880" cy="1537200"/>
+            <a:ext cx="7931520" cy="1536840"/>
           </a:xfrm>
           <a:prstGeom prst="rect">
             <a:avLst/>
@@ -13342,7 +13342,7 @@
         <p:spPr>
           <a:xfrm>
             <a:off x="608040" y="2545560"/>
-            <a:ext cx="3712320" cy="2255760"/>
+            <a:ext cx="3711960" cy="2255400"/>
           </a:xfrm>
           <a:prstGeom prst="rect">
             <a:avLst/>
@@ -13394,7 +13394,7 @@
         <p:spPr>
           <a:xfrm>
             <a:off x="4806360" y="2545560"/>
-            <a:ext cx="3712320" cy="2255760"/>
+            <a:ext cx="3711960" cy="2255400"/>
           </a:xfrm>
           <a:prstGeom prst="rect">
             <a:avLst/>
@@ -13446,7 +13446,7 @@
         <p:spPr>
           <a:xfrm>
             <a:off x="583200" y="450720"/>
-            <a:ext cx="7198200" cy="512280"/>
+            <a:ext cx="7197840" cy="511920"/>
           </a:xfrm>
           <a:prstGeom prst="rect">
             <a:avLst/>
@@ -13528,7 +13528,7 @@
         <p:spPr>
           <a:xfrm>
             <a:off x="586440" y="1246680"/>
-            <a:ext cx="4004280" cy="3600000"/>
+            <a:ext cx="4003920" cy="3599640"/>
           </a:xfrm>
           <a:prstGeom prst="rect">
             <a:avLst/>
@@ -13580,7 +13580,7 @@
         <p:spPr>
           <a:xfrm>
             <a:off x="559800" y="446040"/>
-            <a:ext cx="4283640" cy="683640"/>
+            <a:ext cx="4283280" cy="683280"/>
           </a:xfrm>
           <a:prstGeom prst="rect">
             <a:avLst/>
@@ -13632,7 +13632,7 @@
         <p:spPr>
           <a:xfrm>
             <a:off x="5097600" y="360"/>
-            <a:ext cx="4379760" cy="5144040"/>
+            <a:ext cx="4379400" cy="5143680"/>
           </a:xfrm>
           <a:prstGeom prst="roundRect">
             <a:avLst>
@@ -13697,8 +13697,8 @@
         </p:nvSpPr>
         <p:spPr>
           <a:xfrm rot="2744400">
-            <a:off x="-281160" y="-25920"/>
-            <a:ext cx="704520" cy="704160"/>
+            <a:off x="-280800" y="-25560"/>
+            <a:ext cx="704160" cy="703800"/>
           </a:xfrm>
           <a:prstGeom prst="roundRect">
             <a:avLst>
@@ -13736,7 +13736,7 @@
         <p:spPr>
           <a:xfrm rot="2625600">
             <a:off x="4861080" y="4146840"/>
-            <a:ext cx="468360" cy="468360"/>
+            <a:ext cx="468000" cy="468000"/>
           </a:xfrm>
           <a:prstGeom prst="roundRect">
             <a:avLst>
@@ -13810,8 +13810,8 @@
         </p:nvSpPr>
         <p:spPr>
           <a:xfrm rot="2744400">
-            <a:off x="-350280" y="4539960"/>
-            <a:ext cx="704520" cy="704160"/>
+            <a:off x="-349920" y="4539960"/>
+            <a:ext cx="704160" cy="703800"/>
           </a:xfrm>
           <a:prstGeom prst="roundRect">
             <a:avLst>
@@ -13848,8 +13848,8 @@
         </p:nvSpPr>
         <p:spPr>
           <a:xfrm rot="19228200">
-            <a:off x="5846400" y="-2266560"/>
-            <a:ext cx="4855320" cy="7726320"/>
+            <a:off x="5846040" y="-2266200"/>
+            <a:ext cx="4854960" cy="7725960"/>
           </a:xfrm>
           <a:prstGeom prst="roundRect">
             <a:avLst>
@@ -13887,9 +13887,9 @@
         <p:grpSpPr>
           <a:xfrm>
             <a:off x="4571640" y="828000"/>
-            <a:ext cx="4468320" cy="3564360"/>
+            <a:ext cx="4467960" cy="3564000"/>
             <a:chOff x="4571640" y="828000"/>
-            <a:chExt cx="4468320" cy="3564360"/>
+            <a:chExt cx="4467960" cy="3564000"/>
           </a:xfrm>
         </p:grpSpPr>
         <p:pic>
@@ -13905,7 +13905,7 @@
           <p:spPr>
             <a:xfrm>
               <a:off x="4571640" y="828000"/>
-              <a:ext cx="4468320" cy="3564360"/>
+              <a:ext cx="4467960" cy="3564000"/>
             </a:xfrm>
             <a:prstGeom prst="rect">
               <a:avLst/>
@@ -13923,8 +13923,8 @@
           </p:nvSpPr>
           <p:spPr>
             <a:xfrm rot="16200000">
-              <a:off x="5962680" y="1158840"/>
-              <a:ext cx="1737360" cy="2771280"/>
+              <a:off x="5962680" y="1159200"/>
+              <a:ext cx="1737000" cy="2770920"/>
             </a:xfrm>
             <a:prstGeom prst="roundRect">
               <a:avLst>
@@ -13991,7 +13991,7 @@
         <p:spPr>
           <a:xfrm>
             <a:off x="586440" y="1246680"/>
-            <a:ext cx="4004280" cy="3600000"/>
+            <a:ext cx="4003920" cy="3599640"/>
           </a:xfrm>
           <a:prstGeom prst="rect">
             <a:avLst/>
@@ -14043,7 +14043,7 @@
         <p:spPr>
           <a:xfrm>
             <a:off x="5446080" y="1672200"/>
-            <a:ext cx="2780280" cy="1737360"/>
+            <a:ext cx="2779920" cy="1737000"/>
           </a:xfrm>
           <a:prstGeom prst="rect">
             <a:avLst/>
@@ -14095,7 +14095,7 @@
         <p:spPr>
           <a:xfrm>
             <a:off x="586440" y="453960"/>
-            <a:ext cx="3696840" cy="855360"/>
+            <a:ext cx="3696480" cy="855000"/>
           </a:xfrm>
           <a:prstGeom prst="rect">
             <a:avLst/>
@@ -14184,7 +14184,7 @@
         <p:spPr>
           <a:xfrm>
             <a:off x="4222080" y="1246680"/>
-            <a:ext cx="4115160" cy="3600000"/>
+            <a:ext cx="4114800" cy="3599640"/>
           </a:xfrm>
           <a:prstGeom prst="rect">
             <a:avLst/>
@@ -14235,8 +14235,8 @@
         </p:nvSpPr>
         <p:spPr>
           <a:xfrm rot="16200000">
-            <a:off x="-2181600" y="1733400"/>
-            <a:ext cx="5144040" cy="1684080"/>
+            <a:off x="-2181600" y="1733760"/>
+            <a:ext cx="5143680" cy="1683720"/>
           </a:xfrm>
           <a:prstGeom prst="roundRect">
             <a:avLst>
@@ -14273,8 +14273,8 @@
         </p:nvSpPr>
         <p:spPr>
           <a:xfrm rot="2745000">
-            <a:off x="8575200" y="103680"/>
-            <a:ext cx="1132560" cy="1132200"/>
+            <a:off x="8575200" y="103320"/>
+            <a:ext cx="1132200" cy="1131840"/>
           </a:xfrm>
           <a:prstGeom prst="roundRect">
             <a:avLst>
@@ -14311,8 +14311,8 @@
         </p:nvSpPr>
         <p:spPr>
           <a:xfrm rot="16200000">
-            <a:off x="614880" y="918720"/>
-            <a:ext cx="3232080" cy="3313800"/>
+            <a:off x="614880" y="919080"/>
+            <a:ext cx="3231720" cy="3313440"/>
           </a:xfrm>
           <a:prstGeom prst="roundRect">
             <a:avLst>
@@ -14378,7 +14378,7 @@
         <p:spPr>
           <a:xfrm>
             <a:off x="4214160" y="456120"/>
-            <a:ext cx="4111920" cy="855360"/>
+            <a:ext cx="4111560" cy="855000"/>
           </a:xfrm>
           <a:prstGeom prst="rect">
             <a:avLst/>
@@ -14466,8 +14466,8 @@
         </p:nvSpPr>
         <p:spPr>
           <a:xfrm rot="2744400">
-            <a:off x="-350280" y="4539960"/>
-            <a:ext cx="704520" cy="704160"/>
+            <a:off x="-349920" y="4539960"/>
+            <a:ext cx="704160" cy="703800"/>
           </a:xfrm>
           <a:prstGeom prst="roundRect">
             <a:avLst>
@@ -14504,8 +14504,8 @@
         </p:nvSpPr>
         <p:spPr>
           <a:xfrm rot="19228200">
-            <a:off x="5846400" y="-2266560"/>
-            <a:ext cx="4855320" cy="7726320"/>
+            <a:off x="5846040" y="-2266200"/>
+            <a:ext cx="4854960" cy="7725960"/>
           </a:xfrm>
           <a:prstGeom prst="roundRect">
             <a:avLst>
@@ -14543,9 +14543,9 @@
         <p:grpSpPr>
           <a:xfrm>
             <a:off x="4571640" y="828000"/>
-            <a:ext cx="4468320" cy="3564360"/>
+            <a:ext cx="4467960" cy="3564000"/>
             <a:chOff x="4571640" y="828000"/>
-            <a:chExt cx="4468320" cy="3564360"/>
+            <a:chExt cx="4467960" cy="3564000"/>
           </a:xfrm>
         </p:grpSpPr>
         <p:pic>
@@ -14561,7 +14561,7 @@
           <p:spPr>
             <a:xfrm>
               <a:off x="4571640" y="828000"/>
-              <a:ext cx="4468320" cy="3564360"/>
+              <a:ext cx="4467960" cy="3564000"/>
             </a:xfrm>
             <a:prstGeom prst="rect">
               <a:avLst/>
@@ -14579,8 +14579,8 @@
           </p:nvSpPr>
           <p:spPr>
             <a:xfrm rot="16200000">
-              <a:off x="5962680" y="1158840"/>
-              <a:ext cx="1737360" cy="2771280"/>
+              <a:off x="5962680" y="1159200"/>
+              <a:ext cx="1737000" cy="2770920"/>
             </a:xfrm>
             <a:prstGeom prst="roundRect">
               <a:avLst>
@@ -14647,7 +14647,7 @@
         <p:spPr>
           <a:xfrm>
             <a:off x="586440" y="1246680"/>
-            <a:ext cx="4004280" cy="3600000"/>
+            <a:ext cx="4003920" cy="3599640"/>
           </a:xfrm>
           <a:prstGeom prst="rect">
             <a:avLst/>
@@ -14699,7 +14699,7 @@
         <p:spPr>
           <a:xfrm>
             <a:off x="5446080" y="1672200"/>
-            <a:ext cx="2780280" cy="1737360"/>
+            <a:ext cx="2779920" cy="1737000"/>
           </a:xfrm>
           <a:prstGeom prst="rect">
             <a:avLst/>
@@ -14751,7 +14751,7 @@
         <p:spPr>
           <a:xfrm>
             <a:off x="586440" y="453960"/>
-            <a:ext cx="3696840" cy="855360"/>
+            <a:ext cx="3696480" cy="855000"/>
           </a:xfrm>
           <a:prstGeom prst="rect">
             <a:avLst/>
@@ -14839,8 +14839,8 @@
         </p:nvSpPr>
         <p:spPr>
           <a:xfrm rot="2744400">
-            <a:off x="-281160" y="-25920"/>
-            <a:ext cx="704520" cy="704160"/>
+            <a:off x="-280800" y="-25560"/>
+            <a:ext cx="704160" cy="703800"/>
           </a:xfrm>
           <a:prstGeom prst="roundRect">
             <a:avLst>
@@ -14878,7 +14878,7 @@
         <p:spPr>
           <a:xfrm>
             <a:off x="569160" y="1888920"/>
-            <a:ext cx="4821120" cy="820800"/>
+            <a:ext cx="4820760" cy="820800"/>
           </a:xfrm>
           <a:prstGeom prst="rect">
             <a:avLst/>
@@ -14930,7 +14930,7 @@
         <p:spPr>
           <a:xfrm rot="18679800">
             <a:off x="6782040" y="457560"/>
-            <a:ext cx="6250680" cy="4666320"/>
+            <a:ext cx="6250320" cy="4665960"/>
           </a:xfrm>
           <a:prstGeom prst="roundRect">
             <a:avLst>
@@ -14968,7 +14968,7 @@
         <p:spPr>
           <a:xfrm rot="2625600">
             <a:off x="6024960" y="4332960"/>
-            <a:ext cx="468360" cy="468360"/>
+            <a:ext cx="468000" cy="468000"/>
           </a:xfrm>
           <a:prstGeom prst="roundRect">
             <a:avLst>
@@ -15006,7 +15006,7 @@
         <p:spPr>
           <a:xfrm>
             <a:off x="1640880" y="4592880"/>
-            <a:ext cx="2995560" cy="266400"/>
+            <a:ext cx="2995200" cy="266040"/>
           </a:xfrm>
           <a:prstGeom prst="rect">
             <a:avLst/>
@@ -15068,7 +15068,7 @@
         <p:spPr>
           <a:xfrm>
             <a:off x="867240" y="3590280"/>
-            <a:ext cx="253440" cy="253800"/>
+            <a:ext cx="253080" cy="253440"/>
           </a:xfrm>
           <a:prstGeom prst="ellipse">
             <a:avLst/>
@@ -15103,7 +15103,7 @@
         <p:spPr>
           <a:xfrm>
             <a:off x="351000" y="3793320"/>
-            <a:ext cx="1285920" cy="1131480"/>
+            <a:ext cx="1285560" cy="1131120"/>
           </a:xfrm>
           <a:prstGeom prst="rect">
             <a:avLst/>
@@ -15159,7 +15159,7 @@
         <p:spPr>
           <a:xfrm>
             <a:off x="4222080" y="1246680"/>
-            <a:ext cx="4115160" cy="3600000"/>
+            <a:ext cx="4114800" cy="3599640"/>
           </a:xfrm>
           <a:prstGeom prst="rect">
             <a:avLst/>
@@ -15210,8 +15210,8 @@
         </p:nvSpPr>
         <p:spPr>
           <a:xfrm rot="16200000">
-            <a:off x="-2181600" y="1733400"/>
-            <a:ext cx="5144040" cy="1684080"/>
+            <a:off x="-2181600" y="1733760"/>
+            <a:ext cx="5143680" cy="1683720"/>
           </a:xfrm>
           <a:prstGeom prst="roundRect">
             <a:avLst>
@@ -15248,8 +15248,8 @@
         </p:nvSpPr>
         <p:spPr>
           <a:xfrm rot="2745000">
-            <a:off x="8575200" y="103680"/>
-            <a:ext cx="1132560" cy="1132200"/>
+            <a:off x="8575200" y="103320"/>
+            <a:ext cx="1132200" cy="1131840"/>
           </a:xfrm>
           <a:prstGeom prst="roundRect">
             <a:avLst>
@@ -15286,8 +15286,8 @@
         </p:nvSpPr>
         <p:spPr>
           <a:xfrm rot="16200000">
-            <a:off x="614880" y="918720"/>
-            <a:ext cx="3232080" cy="3313800"/>
+            <a:off x="614880" y="919080"/>
+            <a:ext cx="3231720" cy="3313440"/>
           </a:xfrm>
           <a:prstGeom prst="roundRect">
             <a:avLst>
@@ -15353,7 +15353,7 @@
         <p:spPr>
           <a:xfrm>
             <a:off x="4214160" y="456120"/>
-            <a:ext cx="4111920" cy="855360"/>
+            <a:ext cx="4111560" cy="855000"/>
           </a:xfrm>
           <a:prstGeom prst="rect">
             <a:avLst/>
@@ -15441,8 +15441,8 @@
         </p:nvSpPr>
         <p:spPr>
           <a:xfrm rot="2744400">
-            <a:off x="-281160" y="-25920"/>
-            <a:ext cx="704520" cy="704160"/>
+            <a:off x="-280800" y="-25560"/>
+            <a:ext cx="704160" cy="703800"/>
           </a:xfrm>
           <a:prstGeom prst="roundRect">
             <a:avLst>
@@ -15480,7 +15480,7 @@
         <p:spPr>
           <a:xfrm rot="2332200">
             <a:off x="6009480" y="-319680"/>
-            <a:ext cx="4855680" cy="7726680"/>
+            <a:ext cx="4855320" cy="7726320"/>
           </a:xfrm>
           <a:prstGeom prst="roundRect">
             <a:avLst>
@@ -15518,9 +15518,9 @@
         <p:grpSpPr>
           <a:xfrm>
             <a:off x="4571640" y="828000"/>
-            <a:ext cx="4468320" cy="3564360"/>
+            <a:ext cx="4467960" cy="3564000"/>
             <a:chOff x="4571640" y="828000"/>
-            <a:chExt cx="4468320" cy="3564360"/>
+            <a:chExt cx="4467960" cy="3564000"/>
           </a:xfrm>
         </p:grpSpPr>
         <p:pic>
@@ -15536,7 +15536,7 @@
           <p:spPr>
             <a:xfrm>
               <a:off x="4571640" y="828000"/>
-              <a:ext cx="4468320" cy="3564360"/>
+              <a:ext cx="4467960" cy="3564000"/>
             </a:xfrm>
             <a:prstGeom prst="rect">
               <a:avLst/>
@@ -15554,8 +15554,8 @@
           </p:nvSpPr>
           <p:spPr>
             <a:xfrm rot="16200000">
-              <a:off x="5962680" y="1158840"/>
-              <a:ext cx="1737360" cy="2771280"/>
+              <a:off x="5962680" y="1159200"/>
+              <a:ext cx="1737000" cy="2770920"/>
             </a:xfrm>
             <a:prstGeom prst="roundRect">
               <a:avLst>
@@ -15622,7 +15622,7 @@
         <p:spPr>
           <a:xfrm>
             <a:off x="5446080" y="1672200"/>
-            <a:ext cx="2770920" cy="1737360"/>
+            <a:ext cx="2770560" cy="1737000"/>
           </a:xfrm>
           <a:prstGeom prst="rect">
             <a:avLst/>
@@ -15674,7 +15674,7 @@
         <p:spPr>
           <a:xfrm>
             <a:off x="586440" y="1246680"/>
-            <a:ext cx="4004280" cy="3600000"/>
+            <a:ext cx="4003920" cy="3599640"/>
           </a:xfrm>
           <a:prstGeom prst="rect">
             <a:avLst/>
@@ -15726,7 +15726,7 @@
         <p:spPr>
           <a:xfrm>
             <a:off x="586440" y="453960"/>
-            <a:ext cx="4764240" cy="855360"/>
+            <a:ext cx="4763880" cy="855000"/>
           </a:xfrm>
           <a:prstGeom prst="rect">
             <a:avLst/>
@@ -15815,7 +15815,7 @@
         <p:spPr>
           <a:xfrm rot="2745600">
             <a:off x="8349840" y="-668160"/>
-            <a:ext cx="1498320" cy="1498320"/>
+            <a:ext cx="1497960" cy="1497960"/>
           </a:xfrm>
           <a:prstGeom prst="roundRect">
             <a:avLst>
@@ -15853,7 +15853,7 @@
         <p:spPr>
           <a:xfrm rot="2745600">
             <a:off x="7634160" y="-322200"/>
-            <a:ext cx="807120" cy="807480"/>
+            <a:ext cx="806760" cy="807120"/>
           </a:xfrm>
           <a:prstGeom prst="roundRect">
             <a:avLst>
@@ -15892,7 +15892,7 @@
         <p:spPr>
           <a:xfrm>
             <a:off x="586440" y="899640"/>
-            <a:ext cx="7931880" cy="1537200"/>
+            <a:ext cx="7931520" cy="1536840"/>
           </a:xfrm>
           <a:prstGeom prst="rect">
             <a:avLst/>
@@ -15944,7 +15944,7 @@
         <p:spPr>
           <a:xfrm>
             <a:off x="608040" y="2545560"/>
-            <a:ext cx="3712320" cy="2255760"/>
+            <a:ext cx="3711960" cy="2255400"/>
           </a:xfrm>
           <a:prstGeom prst="rect">
             <a:avLst/>
@@ -15996,7 +15996,7 @@
         <p:spPr>
           <a:xfrm>
             <a:off x="4806360" y="2545560"/>
-            <a:ext cx="3712320" cy="2255760"/>
+            <a:ext cx="3711960" cy="2255400"/>
           </a:xfrm>
           <a:prstGeom prst="rect">
             <a:avLst/>
@@ -16048,7 +16048,7 @@
         <p:spPr>
           <a:xfrm>
             <a:off x="583200" y="450720"/>
-            <a:ext cx="7198200" cy="512280"/>
+            <a:ext cx="7197840" cy="511920"/>
           </a:xfrm>
           <a:prstGeom prst="rect">
             <a:avLst/>
@@ -16130,7 +16130,7 @@
         <p:spPr>
           <a:xfrm>
             <a:off x="586440" y="1246680"/>
-            <a:ext cx="4004280" cy="3600000"/>
+            <a:ext cx="4003920" cy="3599640"/>
           </a:xfrm>
           <a:prstGeom prst="rect">
             <a:avLst/>
@@ -16182,7 +16182,7 @@
         <p:spPr>
           <a:xfrm>
             <a:off x="559800" y="446040"/>
-            <a:ext cx="4283640" cy="683640"/>
+            <a:ext cx="4283280" cy="683280"/>
           </a:xfrm>
           <a:prstGeom prst="rect">
             <a:avLst/>
@@ -16234,7 +16234,7 @@
         <p:spPr>
           <a:xfrm>
             <a:off x="5097600" y="360"/>
-            <a:ext cx="4379760" cy="5144040"/>
+            <a:ext cx="4379400" cy="5143680"/>
           </a:xfrm>
           <a:prstGeom prst="roundRect">
             <a:avLst>
@@ -16299,8 +16299,8 @@
         </p:nvSpPr>
         <p:spPr>
           <a:xfrm rot="2744400">
-            <a:off x="-281160" y="-25920"/>
-            <a:ext cx="704520" cy="704160"/>
+            <a:off x="-280800" y="-25560"/>
+            <a:ext cx="704160" cy="703800"/>
           </a:xfrm>
           <a:prstGeom prst="roundRect">
             <a:avLst>
@@ -16338,7 +16338,7 @@
         <p:spPr>
           <a:xfrm rot="2625600">
             <a:off x="4861080" y="4146840"/>
-            <a:ext cx="468360" cy="468360"/>
+            <a:ext cx="468000" cy="468000"/>
           </a:xfrm>
           <a:prstGeom prst="roundRect">
             <a:avLst>
@@ -16412,8 +16412,8 @@
         </p:nvSpPr>
         <p:spPr>
           <a:xfrm rot="2744400">
-            <a:off x="-350280" y="4539960"/>
-            <a:ext cx="704520" cy="704160"/>
+            <a:off x="-349920" y="4539960"/>
+            <a:ext cx="704160" cy="703800"/>
           </a:xfrm>
           <a:prstGeom prst="roundRect">
             <a:avLst>
@@ -16450,8 +16450,8 @@
         </p:nvSpPr>
         <p:spPr>
           <a:xfrm rot="19228200">
-            <a:off x="5846400" y="-2266560"/>
-            <a:ext cx="4855320" cy="7726320"/>
+            <a:off x="5846040" y="-2266200"/>
+            <a:ext cx="4854960" cy="7725960"/>
           </a:xfrm>
           <a:prstGeom prst="roundRect">
             <a:avLst>
@@ -16489,9 +16489,9 @@
         <p:grpSpPr>
           <a:xfrm>
             <a:off x="4571640" y="828000"/>
-            <a:ext cx="4468320" cy="3564360"/>
+            <a:ext cx="4467960" cy="3564000"/>
             <a:chOff x="4571640" y="828000"/>
-            <a:chExt cx="4468320" cy="3564360"/>
+            <a:chExt cx="4467960" cy="3564000"/>
           </a:xfrm>
         </p:grpSpPr>
         <p:pic>
@@ -16507,7 +16507,7 @@
           <p:spPr>
             <a:xfrm>
               <a:off x="4571640" y="828000"/>
-              <a:ext cx="4468320" cy="3564360"/>
+              <a:ext cx="4467960" cy="3564000"/>
             </a:xfrm>
             <a:prstGeom prst="rect">
               <a:avLst/>
@@ -16525,8 +16525,8 @@
           </p:nvSpPr>
           <p:spPr>
             <a:xfrm rot="16200000">
-              <a:off x="5962680" y="1158840"/>
-              <a:ext cx="1737360" cy="2771280"/>
+              <a:off x="5962680" y="1159200"/>
+              <a:ext cx="1737000" cy="2770920"/>
             </a:xfrm>
             <a:prstGeom prst="roundRect">
               <a:avLst>
@@ -16593,7 +16593,7 @@
         <p:spPr>
           <a:xfrm>
             <a:off x="586440" y="1246680"/>
-            <a:ext cx="4004280" cy="3600000"/>
+            <a:ext cx="4003920" cy="3599640"/>
           </a:xfrm>
           <a:prstGeom prst="rect">
             <a:avLst/>
@@ -16645,7 +16645,7 @@
         <p:spPr>
           <a:xfrm>
             <a:off x="5446080" y="1672200"/>
-            <a:ext cx="2780280" cy="1737360"/>
+            <a:ext cx="2779920" cy="1737000"/>
           </a:xfrm>
           <a:prstGeom prst="rect">
             <a:avLst/>
@@ -16697,7 +16697,7 @@
         <p:spPr>
           <a:xfrm>
             <a:off x="586440" y="453960"/>
-            <a:ext cx="3696840" cy="855360"/>
+            <a:ext cx="3696480" cy="855000"/>
           </a:xfrm>
           <a:prstGeom prst="rect">
             <a:avLst/>
@@ -16786,7 +16786,7 @@
         <p:spPr>
           <a:xfrm>
             <a:off x="4222080" y="1246680"/>
-            <a:ext cx="4115160" cy="3600000"/>
+            <a:ext cx="4114800" cy="3599640"/>
           </a:xfrm>
           <a:prstGeom prst="rect">
             <a:avLst/>
@@ -16837,8 +16837,8 @@
         </p:nvSpPr>
         <p:spPr>
           <a:xfrm rot="16200000">
-            <a:off x="-2181600" y="1733400"/>
-            <a:ext cx="5144040" cy="1684080"/>
+            <a:off x="-2181600" y="1733760"/>
+            <a:ext cx="5143680" cy="1683720"/>
           </a:xfrm>
           <a:prstGeom prst="roundRect">
             <a:avLst>
@@ -16875,8 +16875,8 @@
         </p:nvSpPr>
         <p:spPr>
           <a:xfrm rot="2745000">
-            <a:off x="8575200" y="103680"/>
-            <a:ext cx="1132560" cy="1132200"/>
+            <a:off x="8575200" y="103320"/>
+            <a:ext cx="1132200" cy="1131840"/>
           </a:xfrm>
           <a:prstGeom prst="roundRect">
             <a:avLst>
@@ -16913,8 +16913,8 @@
         </p:nvSpPr>
         <p:spPr>
           <a:xfrm rot="16200000">
-            <a:off x="614880" y="918720"/>
-            <a:ext cx="3232080" cy="3313800"/>
+            <a:off x="614880" y="919080"/>
+            <a:ext cx="3231720" cy="3313440"/>
           </a:xfrm>
           <a:prstGeom prst="roundRect">
             <a:avLst>
@@ -16980,7 +16980,7 @@
         <p:spPr>
           <a:xfrm>
             <a:off x="4214160" y="456120"/>
-            <a:ext cx="4111920" cy="855360"/>
+            <a:ext cx="4111560" cy="855000"/>
           </a:xfrm>
           <a:prstGeom prst="rect">
             <a:avLst/>
